--- a/js-node-tools-draft-2-with-notes.pptx
+++ b/js-node-tools-draft-2-with-notes.pptx
@@ -5,7 +5,7 @@
     <p:sldMasterId id="2147483663" r:id="rId1"/>
   </p:sldMasterIdLst>
   <p:notesMasterIdLst>
-    <p:notesMasterId r:id="rId36"/>
+    <p:notesMasterId r:id="rId43"/>
   </p:notesMasterIdLst>
   <p:sldIdLst>
     <p:sldId id="363" r:id="rId2"/>
@@ -22,26 +22,33 @@
     <p:sldId id="377" r:id="rId13"/>
     <p:sldId id="379" r:id="rId14"/>
     <p:sldId id="400" r:id="rId15"/>
-    <p:sldId id="373" r:id="rId16"/>
-    <p:sldId id="380" r:id="rId17"/>
-    <p:sldId id="381" r:id="rId18"/>
-    <p:sldId id="382" r:id="rId19"/>
-    <p:sldId id="383" r:id="rId20"/>
-    <p:sldId id="386" r:id="rId21"/>
-    <p:sldId id="385" r:id="rId22"/>
-    <p:sldId id="387" r:id="rId23"/>
-    <p:sldId id="391" r:id="rId24"/>
-    <p:sldId id="392" r:id="rId25"/>
-    <p:sldId id="388" r:id="rId26"/>
-    <p:sldId id="389" r:id="rId27"/>
-    <p:sldId id="393" r:id="rId28"/>
-    <p:sldId id="394" r:id="rId29"/>
-    <p:sldId id="390" r:id="rId30"/>
-    <p:sldId id="395" r:id="rId31"/>
-    <p:sldId id="396" r:id="rId32"/>
-    <p:sldId id="397" r:id="rId33"/>
-    <p:sldId id="399" r:id="rId34"/>
-    <p:sldId id="398" r:id="rId35"/>
+    <p:sldId id="404" r:id="rId16"/>
+    <p:sldId id="401" r:id="rId17"/>
+    <p:sldId id="403" r:id="rId18"/>
+    <p:sldId id="402" r:id="rId19"/>
+    <p:sldId id="373" r:id="rId20"/>
+    <p:sldId id="380" r:id="rId21"/>
+    <p:sldId id="381" r:id="rId22"/>
+    <p:sldId id="382" r:id="rId23"/>
+    <p:sldId id="383" r:id="rId24"/>
+    <p:sldId id="386" r:id="rId25"/>
+    <p:sldId id="385" r:id="rId26"/>
+    <p:sldId id="405" r:id="rId27"/>
+    <p:sldId id="406" r:id="rId28"/>
+    <p:sldId id="387" r:id="rId29"/>
+    <p:sldId id="391" r:id="rId30"/>
+    <p:sldId id="392" r:id="rId31"/>
+    <p:sldId id="388" r:id="rId32"/>
+    <p:sldId id="389" r:id="rId33"/>
+    <p:sldId id="393" r:id="rId34"/>
+    <p:sldId id="394" r:id="rId35"/>
+    <p:sldId id="390" r:id="rId36"/>
+    <p:sldId id="395" r:id="rId37"/>
+    <p:sldId id="396" r:id="rId38"/>
+    <p:sldId id="397" r:id="rId39"/>
+    <p:sldId id="399" r:id="rId40"/>
+    <p:sldId id="398" r:id="rId41"/>
+    <p:sldId id="407" r:id="rId42"/>
   </p:sldIdLst>
   <p:sldSz cx="9144000" cy="6858000" type="screen4x3"/>
   <p:notesSz cx="6858000" cy="9144000"/>
@@ -2106,6 +2113,468 @@
 </file>
 
 <file path=ppt/notesSlides/notesSlide31.xml><?xml version="1.0" encoding="utf-8"?>
+<p:notes xmlns:a="http://schemas.openxmlformats.org/drawingml/2006/main" xmlns:r="http://schemas.openxmlformats.org/officeDocument/2006/relationships" xmlns:p="http://schemas.openxmlformats.org/presentationml/2006/main">
+  <p:cSld>
+    <p:spTree>
+      <p:nvGrpSpPr>
+        <p:cNvPr id="1" name=""/>
+        <p:cNvGrpSpPr/>
+        <p:nvPr/>
+      </p:nvGrpSpPr>
+      <p:grpSpPr>
+        <a:xfrm>
+          <a:off x="0" y="0"/>
+          <a:ext cx="0" cy="0"/>
+          <a:chOff x="0" y="0"/>
+          <a:chExt cx="0" cy="0"/>
+        </a:xfrm>
+      </p:grpSpPr>
+      <p:sp>
+        <p:nvSpPr>
+          <p:cNvPr id="2" name="Slide Image Placeholder 1"/>
+          <p:cNvSpPr>
+            <a:spLocks noGrp="1" noRot="1" noChangeAspect="1"/>
+          </p:cNvSpPr>
+          <p:nvPr>
+            <p:ph type="sldImg"/>
+          </p:nvPr>
+        </p:nvSpPr>
+        <p:spPr>
+          <a:xfrm>
+            <a:off x="1143000" y="685800"/>
+            <a:ext cx="4572000" cy="3429000"/>
+          </a:xfrm>
+        </p:spPr>
+      </p:sp>
+      <p:sp>
+        <p:nvSpPr>
+          <p:cNvPr id="3" name="Notes Placeholder 2"/>
+          <p:cNvSpPr>
+            <a:spLocks noGrp="1"/>
+          </p:cNvSpPr>
+          <p:nvPr>
+            <p:ph type="body" idx="1"/>
+          </p:nvPr>
+        </p:nvSpPr>
+        <p:spPr/>
+        <p:txBody>
+          <a:bodyPr/>
+          <a:lstStyle/>
+          <a:p>
+            <a:endParaRPr lang="en-US" dirty="0"/>
+          </a:p>
+        </p:txBody>
+      </p:sp>
+    </p:spTree>
+    <p:extLst>
+      <p:ext uri="{BB962C8B-B14F-4D97-AF65-F5344CB8AC3E}">
+        <p14:creationId xmlns:p14="http://schemas.microsoft.com/office/powerpoint/2010/main" val="2483061746"/>
+      </p:ext>
+    </p:extLst>
+  </p:cSld>
+  <p:clrMapOvr>
+    <a:masterClrMapping/>
+  </p:clrMapOvr>
+</p:notes>
+</file>
+
+<file path=ppt/notesSlides/notesSlide32.xml><?xml version="1.0" encoding="utf-8"?>
+<p:notes xmlns:a="http://schemas.openxmlformats.org/drawingml/2006/main" xmlns:r="http://schemas.openxmlformats.org/officeDocument/2006/relationships" xmlns:p="http://schemas.openxmlformats.org/presentationml/2006/main">
+  <p:cSld>
+    <p:spTree>
+      <p:nvGrpSpPr>
+        <p:cNvPr id="1" name=""/>
+        <p:cNvGrpSpPr/>
+        <p:nvPr/>
+      </p:nvGrpSpPr>
+      <p:grpSpPr>
+        <a:xfrm>
+          <a:off x="0" y="0"/>
+          <a:ext cx="0" cy="0"/>
+          <a:chOff x="0" y="0"/>
+          <a:chExt cx="0" cy="0"/>
+        </a:xfrm>
+      </p:grpSpPr>
+      <p:sp>
+        <p:nvSpPr>
+          <p:cNvPr id="2" name="Slide Image Placeholder 1"/>
+          <p:cNvSpPr>
+            <a:spLocks noGrp="1" noRot="1" noChangeAspect="1"/>
+          </p:cNvSpPr>
+          <p:nvPr>
+            <p:ph type="sldImg"/>
+          </p:nvPr>
+        </p:nvSpPr>
+        <p:spPr>
+          <a:xfrm>
+            <a:off x="1143000" y="685800"/>
+            <a:ext cx="4572000" cy="3429000"/>
+          </a:xfrm>
+        </p:spPr>
+      </p:sp>
+      <p:sp>
+        <p:nvSpPr>
+          <p:cNvPr id="3" name="Notes Placeholder 2"/>
+          <p:cNvSpPr>
+            <a:spLocks noGrp="1"/>
+          </p:cNvSpPr>
+          <p:nvPr>
+            <p:ph type="body" idx="1"/>
+          </p:nvPr>
+        </p:nvSpPr>
+        <p:spPr/>
+        <p:txBody>
+          <a:bodyPr/>
+          <a:lstStyle/>
+          <a:p>
+            <a:endParaRPr lang="en-US" dirty="0"/>
+          </a:p>
+        </p:txBody>
+      </p:sp>
+    </p:spTree>
+    <p:extLst>
+      <p:ext uri="{BB962C8B-B14F-4D97-AF65-F5344CB8AC3E}">
+        <p14:creationId xmlns:p14="http://schemas.microsoft.com/office/powerpoint/2010/main" val="2483061746"/>
+      </p:ext>
+    </p:extLst>
+  </p:cSld>
+  <p:clrMapOvr>
+    <a:masterClrMapping/>
+  </p:clrMapOvr>
+</p:notes>
+</file>
+
+<file path=ppt/notesSlides/notesSlide33.xml><?xml version="1.0" encoding="utf-8"?>
+<p:notes xmlns:a="http://schemas.openxmlformats.org/drawingml/2006/main" xmlns:r="http://schemas.openxmlformats.org/officeDocument/2006/relationships" xmlns:p="http://schemas.openxmlformats.org/presentationml/2006/main">
+  <p:cSld>
+    <p:spTree>
+      <p:nvGrpSpPr>
+        <p:cNvPr id="1" name=""/>
+        <p:cNvGrpSpPr/>
+        <p:nvPr/>
+      </p:nvGrpSpPr>
+      <p:grpSpPr>
+        <a:xfrm>
+          <a:off x="0" y="0"/>
+          <a:ext cx="0" cy="0"/>
+          <a:chOff x="0" y="0"/>
+          <a:chExt cx="0" cy="0"/>
+        </a:xfrm>
+      </p:grpSpPr>
+      <p:sp>
+        <p:nvSpPr>
+          <p:cNvPr id="2" name="Slide Image Placeholder 1"/>
+          <p:cNvSpPr>
+            <a:spLocks noGrp="1" noRot="1" noChangeAspect="1"/>
+          </p:cNvSpPr>
+          <p:nvPr>
+            <p:ph type="sldImg"/>
+          </p:nvPr>
+        </p:nvSpPr>
+        <p:spPr>
+          <a:xfrm>
+            <a:off x="1143000" y="685800"/>
+            <a:ext cx="4572000" cy="3429000"/>
+          </a:xfrm>
+        </p:spPr>
+      </p:sp>
+      <p:sp>
+        <p:nvSpPr>
+          <p:cNvPr id="3" name="Notes Placeholder 2"/>
+          <p:cNvSpPr>
+            <a:spLocks noGrp="1"/>
+          </p:cNvSpPr>
+          <p:nvPr>
+            <p:ph type="body" idx="1"/>
+          </p:nvPr>
+        </p:nvSpPr>
+        <p:spPr/>
+        <p:txBody>
+          <a:bodyPr/>
+          <a:lstStyle/>
+          <a:p>
+            <a:endParaRPr lang="en-US" dirty="0"/>
+          </a:p>
+        </p:txBody>
+      </p:sp>
+    </p:spTree>
+    <p:extLst>
+      <p:ext uri="{BB962C8B-B14F-4D97-AF65-F5344CB8AC3E}">
+        <p14:creationId xmlns:p14="http://schemas.microsoft.com/office/powerpoint/2010/main" val="2483061746"/>
+      </p:ext>
+    </p:extLst>
+  </p:cSld>
+  <p:clrMapOvr>
+    <a:masterClrMapping/>
+  </p:clrMapOvr>
+</p:notes>
+</file>
+
+<file path=ppt/notesSlides/notesSlide34.xml><?xml version="1.0" encoding="utf-8"?>
+<p:notes xmlns:a="http://schemas.openxmlformats.org/drawingml/2006/main" xmlns:r="http://schemas.openxmlformats.org/officeDocument/2006/relationships" xmlns:p="http://schemas.openxmlformats.org/presentationml/2006/main">
+  <p:cSld>
+    <p:spTree>
+      <p:nvGrpSpPr>
+        <p:cNvPr id="1" name=""/>
+        <p:cNvGrpSpPr/>
+        <p:nvPr/>
+      </p:nvGrpSpPr>
+      <p:grpSpPr>
+        <a:xfrm>
+          <a:off x="0" y="0"/>
+          <a:ext cx="0" cy="0"/>
+          <a:chOff x="0" y="0"/>
+          <a:chExt cx="0" cy="0"/>
+        </a:xfrm>
+      </p:grpSpPr>
+      <p:sp>
+        <p:nvSpPr>
+          <p:cNvPr id="2" name="Slide Image Placeholder 1"/>
+          <p:cNvSpPr>
+            <a:spLocks noGrp="1" noRot="1" noChangeAspect="1"/>
+          </p:cNvSpPr>
+          <p:nvPr>
+            <p:ph type="sldImg"/>
+          </p:nvPr>
+        </p:nvSpPr>
+        <p:spPr>
+          <a:xfrm>
+            <a:off x="1143000" y="685800"/>
+            <a:ext cx="4572000" cy="3429000"/>
+          </a:xfrm>
+        </p:spPr>
+      </p:sp>
+      <p:sp>
+        <p:nvSpPr>
+          <p:cNvPr id="3" name="Notes Placeholder 2"/>
+          <p:cNvSpPr>
+            <a:spLocks noGrp="1"/>
+          </p:cNvSpPr>
+          <p:nvPr>
+            <p:ph type="body" idx="1"/>
+          </p:nvPr>
+        </p:nvSpPr>
+        <p:spPr/>
+        <p:txBody>
+          <a:bodyPr/>
+          <a:lstStyle/>
+          <a:p>
+            <a:endParaRPr lang="en-US" dirty="0"/>
+          </a:p>
+        </p:txBody>
+      </p:sp>
+    </p:spTree>
+    <p:extLst>
+      <p:ext uri="{BB962C8B-B14F-4D97-AF65-F5344CB8AC3E}">
+        <p14:creationId xmlns:p14="http://schemas.microsoft.com/office/powerpoint/2010/main" val="2483061746"/>
+      </p:ext>
+    </p:extLst>
+  </p:cSld>
+  <p:clrMapOvr>
+    <a:masterClrMapping/>
+  </p:clrMapOvr>
+</p:notes>
+</file>
+
+<file path=ppt/notesSlides/notesSlide35.xml><?xml version="1.0" encoding="utf-8"?>
+<p:notes xmlns:a="http://schemas.openxmlformats.org/drawingml/2006/main" xmlns:r="http://schemas.openxmlformats.org/officeDocument/2006/relationships" xmlns:p="http://schemas.openxmlformats.org/presentationml/2006/main">
+  <p:cSld>
+    <p:spTree>
+      <p:nvGrpSpPr>
+        <p:cNvPr id="1" name=""/>
+        <p:cNvGrpSpPr/>
+        <p:nvPr/>
+      </p:nvGrpSpPr>
+      <p:grpSpPr>
+        <a:xfrm>
+          <a:off x="0" y="0"/>
+          <a:ext cx="0" cy="0"/>
+          <a:chOff x="0" y="0"/>
+          <a:chExt cx="0" cy="0"/>
+        </a:xfrm>
+      </p:grpSpPr>
+      <p:sp>
+        <p:nvSpPr>
+          <p:cNvPr id="2" name="Slide Image Placeholder 1"/>
+          <p:cNvSpPr>
+            <a:spLocks noGrp="1" noRot="1" noChangeAspect="1"/>
+          </p:cNvSpPr>
+          <p:nvPr>
+            <p:ph type="sldImg"/>
+          </p:nvPr>
+        </p:nvSpPr>
+        <p:spPr>
+          <a:xfrm>
+            <a:off x="1143000" y="685800"/>
+            <a:ext cx="4572000" cy="3429000"/>
+          </a:xfrm>
+        </p:spPr>
+      </p:sp>
+      <p:sp>
+        <p:nvSpPr>
+          <p:cNvPr id="3" name="Notes Placeholder 2"/>
+          <p:cNvSpPr>
+            <a:spLocks noGrp="1"/>
+          </p:cNvSpPr>
+          <p:nvPr>
+            <p:ph type="body" idx="1"/>
+          </p:nvPr>
+        </p:nvSpPr>
+        <p:spPr/>
+        <p:txBody>
+          <a:bodyPr/>
+          <a:lstStyle/>
+          <a:p>
+            <a:endParaRPr lang="en-US" dirty="0"/>
+          </a:p>
+        </p:txBody>
+      </p:sp>
+    </p:spTree>
+    <p:extLst>
+      <p:ext uri="{BB962C8B-B14F-4D97-AF65-F5344CB8AC3E}">
+        <p14:creationId xmlns:p14="http://schemas.microsoft.com/office/powerpoint/2010/main" val="2483061746"/>
+      </p:ext>
+    </p:extLst>
+  </p:cSld>
+  <p:clrMapOvr>
+    <a:masterClrMapping/>
+  </p:clrMapOvr>
+</p:notes>
+</file>
+
+<file path=ppt/notesSlides/notesSlide36.xml><?xml version="1.0" encoding="utf-8"?>
+<p:notes xmlns:a="http://schemas.openxmlformats.org/drawingml/2006/main" xmlns:r="http://schemas.openxmlformats.org/officeDocument/2006/relationships" xmlns:p="http://schemas.openxmlformats.org/presentationml/2006/main">
+  <p:cSld>
+    <p:spTree>
+      <p:nvGrpSpPr>
+        <p:cNvPr id="1" name=""/>
+        <p:cNvGrpSpPr/>
+        <p:nvPr/>
+      </p:nvGrpSpPr>
+      <p:grpSpPr>
+        <a:xfrm>
+          <a:off x="0" y="0"/>
+          <a:ext cx="0" cy="0"/>
+          <a:chOff x="0" y="0"/>
+          <a:chExt cx="0" cy="0"/>
+        </a:xfrm>
+      </p:grpSpPr>
+      <p:sp>
+        <p:nvSpPr>
+          <p:cNvPr id="2" name="Slide Image Placeholder 1"/>
+          <p:cNvSpPr>
+            <a:spLocks noGrp="1" noRot="1" noChangeAspect="1"/>
+          </p:cNvSpPr>
+          <p:nvPr>
+            <p:ph type="sldImg"/>
+          </p:nvPr>
+        </p:nvSpPr>
+        <p:spPr>
+          <a:xfrm>
+            <a:off x="1143000" y="685800"/>
+            <a:ext cx="4572000" cy="3429000"/>
+          </a:xfrm>
+        </p:spPr>
+      </p:sp>
+      <p:sp>
+        <p:nvSpPr>
+          <p:cNvPr id="3" name="Notes Placeholder 2"/>
+          <p:cNvSpPr>
+            <a:spLocks noGrp="1"/>
+          </p:cNvSpPr>
+          <p:nvPr>
+            <p:ph type="body" idx="1"/>
+          </p:nvPr>
+        </p:nvSpPr>
+        <p:spPr/>
+        <p:txBody>
+          <a:bodyPr/>
+          <a:lstStyle/>
+          <a:p>
+            <a:endParaRPr lang="en-US" dirty="0"/>
+          </a:p>
+        </p:txBody>
+      </p:sp>
+    </p:spTree>
+    <p:extLst>
+      <p:ext uri="{BB962C8B-B14F-4D97-AF65-F5344CB8AC3E}">
+        <p14:creationId xmlns:p14="http://schemas.microsoft.com/office/powerpoint/2010/main" val="2483061746"/>
+      </p:ext>
+    </p:extLst>
+  </p:cSld>
+  <p:clrMapOvr>
+    <a:masterClrMapping/>
+  </p:clrMapOvr>
+</p:notes>
+</file>
+
+<file path=ppt/notesSlides/notesSlide37.xml><?xml version="1.0" encoding="utf-8"?>
+<p:notes xmlns:a="http://schemas.openxmlformats.org/drawingml/2006/main" xmlns:r="http://schemas.openxmlformats.org/officeDocument/2006/relationships" xmlns:p="http://schemas.openxmlformats.org/presentationml/2006/main">
+  <p:cSld>
+    <p:spTree>
+      <p:nvGrpSpPr>
+        <p:cNvPr id="1" name=""/>
+        <p:cNvGrpSpPr/>
+        <p:nvPr/>
+      </p:nvGrpSpPr>
+      <p:grpSpPr>
+        <a:xfrm>
+          <a:off x="0" y="0"/>
+          <a:ext cx="0" cy="0"/>
+          <a:chOff x="0" y="0"/>
+          <a:chExt cx="0" cy="0"/>
+        </a:xfrm>
+      </p:grpSpPr>
+      <p:sp>
+        <p:nvSpPr>
+          <p:cNvPr id="2" name="Slide Image Placeholder 1"/>
+          <p:cNvSpPr>
+            <a:spLocks noGrp="1" noRot="1" noChangeAspect="1"/>
+          </p:cNvSpPr>
+          <p:nvPr>
+            <p:ph type="sldImg"/>
+          </p:nvPr>
+        </p:nvSpPr>
+        <p:spPr>
+          <a:xfrm>
+            <a:off x="1143000" y="685800"/>
+            <a:ext cx="4572000" cy="3429000"/>
+          </a:xfrm>
+        </p:spPr>
+      </p:sp>
+      <p:sp>
+        <p:nvSpPr>
+          <p:cNvPr id="3" name="Notes Placeholder 2"/>
+          <p:cNvSpPr>
+            <a:spLocks noGrp="1"/>
+          </p:cNvSpPr>
+          <p:nvPr>
+            <p:ph type="body" idx="1"/>
+          </p:nvPr>
+        </p:nvSpPr>
+        <p:spPr/>
+        <p:txBody>
+          <a:bodyPr/>
+          <a:lstStyle/>
+          <a:p>
+            <a:endParaRPr lang="en-US" dirty="0"/>
+          </a:p>
+        </p:txBody>
+      </p:sp>
+    </p:spTree>
+    <p:extLst>
+      <p:ext uri="{BB962C8B-B14F-4D97-AF65-F5344CB8AC3E}">
+        <p14:creationId xmlns:p14="http://schemas.microsoft.com/office/powerpoint/2010/main" val="2483061746"/>
+      </p:ext>
+    </p:extLst>
+  </p:cSld>
+  <p:clrMapOvr>
+    <a:masterClrMapping/>
+  </p:clrMapOvr>
+</p:notes>
+</file>
+
+<file path=ppt/notesSlides/notesSlide38.xml><?xml version="1.0" encoding="utf-8"?>
 <p:notes xmlns:a="http://schemas.openxmlformats.org/drawingml/2006/main" xmlns:r="http://schemas.openxmlformats.org/officeDocument/2006/relationships" xmlns:p="http://schemas.openxmlformats.org/presentationml/2006/main">
   <p:cSld>
     <p:spTree>
@@ -6193,7 +6662,7 @@
           <a:p>
             <a:r>
               <a:rPr lang="en-US" sz="2200" dirty="0" smtClean="0"/>
-              <a:t> Generators</a:t>
+              <a:t> Template strings</a:t>
             </a:r>
           </a:p>
           <a:p>
@@ -6202,9 +6671,10 @@
               <a:t> </a:t>
             </a:r>
             <a:r>
-              <a:rPr lang="en-US" sz="2200" dirty="0" smtClean="0"/>
-              <a:t>String templates</a:t>
-            </a:r>
+              <a:rPr lang="en-US" sz="2200" dirty="0" err="1" smtClean="0"/>
+              <a:t>Destructuring</a:t>
+            </a:r>
+            <a:endParaRPr lang="en-US" sz="2200" dirty="0" smtClean="0"/>
           </a:p>
           <a:p>
             <a:r>
@@ -6287,7 +6757,7 @@
           <a:p>
             <a:r>
               <a:rPr lang="en-US" dirty="0" smtClean="0"/>
-              <a:t>Modules</a:t>
+              <a:t>ES6: Template Strings</a:t>
             </a:r>
             <a:endParaRPr lang="en-US" dirty="0"/>
           </a:p>
@@ -6305,8 +6775,8 @@
         </p:nvSpPr>
         <p:spPr>
           <a:xfrm>
-            <a:off x="628650" y="1417377"/>
-            <a:ext cx="7886700" cy="4351199"/>
+            <a:off x="628650" y="1417378"/>
+            <a:ext cx="7886700" cy="1256306"/>
           </a:xfrm>
         </p:spPr>
         <p:txBody>
@@ -6314,74 +6784,60 @@
           <a:lstStyle/>
           <a:p>
             <a:r>
-              <a:rPr lang="en-US" sz="2800" dirty="0"/>
-              <a:t> </a:t>
-            </a:r>
-            <a:r>
-              <a:rPr lang="en-US" sz="2800" dirty="0" smtClean="0"/>
-              <a:t>Code organizational</a:t>
-            </a:r>
-          </a:p>
-          <a:p>
-            <a:pPr lvl="1"/>
-            <a:r>
               <a:rPr lang="en-US" sz="2200" dirty="0"/>
               <a:t> </a:t>
             </a:r>
             <a:r>
               <a:rPr lang="en-US" sz="2200" dirty="0" smtClean="0"/>
-              <a:t>Revealing module</a:t>
-            </a:r>
-          </a:p>
-          <a:p>
-            <a:pPr lvl="1"/>
-            <a:endParaRPr lang="en-US" sz="2200" dirty="0"/>
-          </a:p>
-          <a:p>
-            <a:r>
-              <a:rPr lang="en-US" sz="2800" dirty="0" smtClean="0"/>
-              <a:t> Definition and dependency management</a:t>
-            </a:r>
-          </a:p>
-          <a:p>
-            <a:pPr lvl="1"/>
+              <a:t>AKA string interpolation</a:t>
+            </a:r>
+          </a:p>
+          <a:p>
             <a:r>
               <a:rPr lang="en-US" sz="2200" dirty="0"/>
               <a:t> </a:t>
             </a:r>
             <a:r>
               <a:rPr lang="en-US" sz="2200" dirty="0" smtClean="0"/>
-              <a:t>Node</a:t>
-            </a:r>
-          </a:p>
-          <a:p>
-            <a:pPr lvl="1"/>
-            <a:r>
-              <a:rPr lang="en-US" sz="2200" dirty="0"/>
-              <a:t> </a:t>
-            </a:r>
-            <a:r>
-              <a:rPr lang="en-US" sz="2200" dirty="0" smtClean="0"/>
-              <a:t>Browser</a:t>
-            </a:r>
-          </a:p>
-          <a:p>
-            <a:pPr lvl="1"/>
-            <a:r>
-              <a:rPr lang="en-US" sz="2200" dirty="0"/>
-              <a:t> </a:t>
-            </a:r>
-            <a:r>
-              <a:rPr lang="en-US" sz="2200" dirty="0" smtClean="0"/>
-              <a:t>ES6</a:t>
-            </a:r>
-          </a:p>
-        </p:txBody>
-      </p:sp>
+              <a:t>No more string concatenation (makes me happy!)</a:t>
+            </a:r>
+          </a:p>
+        </p:txBody>
+      </p:sp>
+      <p:pic>
+        <p:nvPicPr>
+          <p:cNvPr id="6" name="Picture 5" descr="Screen Shot 2015-03-31 at 8.27.17 PM.png"/>
+          <p:cNvPicPr>
+            <a:picLocks noChangeAspect="1"/>
+          </p:cNvPicPr>
+          <p:nvPr/>
+        </p:nvPicPr>
+        <p:blipFill>
+          <a:blip r:embed="rId3">
+            <a:extLst>
+              <a:ext uri="{28A0092B-C50C-407E-A947-70E740481C1C}">
+                <a14:useLocalDpi xmlns:a14="http://schemas.microsoft.com/office/drawing/2010/main" val="0"/>
+              </a:ext>
+            </a:extLst>
+          </a:blip>
+          <a:stretch>
+            <a:fillRect/>
+          </a:stretch>
+        </p:blipFill>
+        <p:spPr>
+          <a:xfrm>
+            <a:off x="368300" y="3103478"/>
+            <a:ext cx="8407400" cy="1841500"/>
+          </a:xfrm>
+          <a:prstGeom prst="rect">
+            <a:avLst/>
+          </a:prstGeom>
+        </p:spPr>
+      </p:pic>
     </p:spTree>
     <p:extLst>
       <p:ext uri="{BB962C8B-B14F-4D97-AF65-F5344CB8AC3E}">
-        <p14:creationId xmlns:p14="http://schemas.microsoft.com/office/powerpoint/2010/main" val="3827354587"/>
+        <p14:creationId xmlns:p14="http://schemas.microsoft.com/office/powerpoint/2010/main" val="2645209135"/>
       </p:ext>
     </p:extLst>
   </p:cSld>
@@ -6437,93 +6893,114 @@
           <a:p>
             <a:r>
               <a:rPr lang="en-US" dirty="0" smtClean="0"/>
-              <a:t>Revealing Module Pattern</a:t>
+              <a:t>ES6: Arrow Functions		</a:t>
             </a:r>
             <a:endParaRPr lang="en-US" dirty="0"/>
           </a:p>
         </p:txBody>
       </p:sp>
-      <p:sp>
-        <p:nvSpPr>
-          <p:cNvPr id="3" name="Text Placeholder 2"/>
-          <p:cNvSpPr>
-            <a:spLocks noGrp="1"/>
-          </p:cNvSpPr>
-          <p:nvPr>
-            <p:ph type="body" idx="1"/>
-          </p:nvPr>
-        </p:nvSpPr>
-        <p:spPr>
-          <a:xfrm>
-            <a:off x="628650" y="1417377"/>
-            <a:ext cx="7886700" cy="4351199"/>
-          </a:xfrm>
-        </p:spPr>
-        <p:txBody>
-          <a:bodyPr/>
+      <p:pic>
+        <p:nvPicPr>
+          <p:cNvPr id="6" name="Picture 5" descr="Screen Shot 2015-03-31 at 8.04.18 PM.png"/>
+          <p:cNvPicPr>
+            <a:picLocks noChangeAspect="1"/>
+          </p:cNvPicPr>
+          <p:nvPr/>
+        </p:nvPicPr>
+        <p:blipFill>
+          <a:blip r:embed="rId3">
+            <a:extLst>
+              <a:ext uri="{28A0092B-C50C-407E-A947-70E740481C1C}">
+                <a14:useLocalDpi xmlns:a14="http://schemas.microsoft.com/office/drawing/2010/main" val="0"/>
+              </a:ext>
+            </a:extLst>
+          </a:blip>
+          <a:stretch>
+            <a:fillRect/>
+          </a:stretch>
+        </p:blipFill>
+        <p:spPr>
+          <a:xfrm>
+            <a:off x="527050" y="1554745"/>
+            <a:ext cx="7988300" cy="1574800"/>
+          </a:xfrm>
+          <a:prstGeom prst="rect">
+            <a:avLst/>
+          </a:prstGeom>
+        </p:spPr>
+      </p:pic>
+      <p:pic>
+        <p:nvPicPr>
+          <p:cNvPr id="8" name="Picture 7" descr="Screen Shot 2015-03-31 at 8.05.53 PM.png"/>
+          <p:cNvPicPr>
+            <a:picLocks noChangeAspect="1"/>
+          </p:cNvPicPr>
+          <p:nvPr/>
+        </p:nvPicPr>
+        <p:blipFill>
+          <a:blip r:embed="rId4">
+            <a:extLst>
+              <a:ext uri="{28A0092B-C50C-407E-A947-70E740481C1C}">
+                <a14:useLocalDpi xmlns:a14="http://schemas.microsoft.com/office/drawing/2010/main" val="0"/>
+              </a:ext>
+            </a:extLst>
+          </a:blip>
+          <a:stretch>
+            <a:fillRect/>
+          </a:stretch>
+        </p:blipFill>
+        <p:spPr>
+          <a:xfrm>
+            <a:off x="628650" y="4161589"/>
+            <a:ext cx="7683500" cy="901700"/>
+          </a:xfrm>
+          <a:prstGeom prst="rect">
+            <a:avLst/>
+          </a:prstGeom>
+        </p:spPr>
+      </p:pic>
+      <p:sp>
+        <p:nvSpPr>
+          <p:cNvPr id="9" name="TextBox 8"/>
+          <p:cNvSpPr txBox="1"/>
+          <p:nvPr/>
+        </p:nvSpPr>
+        <p:spPr>
+          <a:xfrm>
+            <a:off x="3529263" y="3392013"/>
+            <a:ext cx="1861357" cy="461665"/>
+          </a:xfrm>
+          <a:prstGeom prst="rect">
+            <a:avLst/>
+          </a:prstGeom>
+          <a:noFill/>
+        </p:spPr>
+        <p:txBody>
+          <a:bodyPr wrap="none" rtlCol="0">
+            <a:spAutoFit/>
+          </a:bodyPr>
           <a:lstStyle/>
           <a:p>
             <a:r>
-              <a:rPr lang="en-US" sz="2800" dirty="0"/>
-              <a:t> </a:t>
-            </a:r>
-            <a:r>
-              <a:rPr lang="en-US" sz="2800" dirty="0" smtClean="0"/>
-              <a:t>Coding pattern to:</a:t>
-            </a:r>
-          </a:p>
-          <a:p>
-            <a:pPr lvl="1"/>
-            <a:r>
-              <a:rPr lang="en-US" sz="2200" dirty="0"/>
-              <a:t> </a:t>
-            </a:r>
-            <a:r>
-              <a:rPr lang="en-US" sz="2200" dirty="0" smtClean="0"/>
-              <a:t>Encapsulate private state and functionality</a:t>
-            </a:r>
-          </a:p>
-          <a:p>
-            <a:pPr lvl="1"/>
-            <a:r>
-              <a:rPr lang="en-US" sz="2200" dirty="0"/>
-              <a:t> </a:t>
-            </a:r>
-            <a:r>
-              <a:rPr lang="en-US" sz="2200" dirty="0" smtClean="0"/>
-              <a:t>Expose an interface to module’s core functionality</a:t>
-            </a:r>
-          </a:p>
-          <a:p>
-            <a:r>
-              <a:rPr lang="en-US" sz="2800" dirty="0"/>
-              <a:t> </a:t>
-            </a:r>
-            <a:r>
-              <a:rPr lang="en-US" sz="2800" dirty="0" smtClean="0"/>
-              <a:t>Example</a:t>
-            </a:r>
-          </a:p>
-          <a:p>
-            <a:pPr lvl="1"/>
-            <a:r>
-              <a:rPr lang="en-US" sz="2200" dirty="0"/>
-              <a:t> </a:t>
-            </a:r>
-            <a:r>
-              <a:rPr lang="en-US" sz="2200" dirty="0" smtClean="0">
-                <a:hlinkClick r:id="rId3"/>
+              <a:rPr lang="en-US" sz="2400" dirty="0" smtClean="0">
+                <a:solidFill>
+                  <a:schemeClr val="bg1"/>
+                </a:solidFill>
               </a:rPr>
-              <a:t>codepen</a:t>
-            </a:r>
-            <a:endParaRPr lang="en-US" sz="2200" dirty="0"/>
+              <a:t>replaced by:</a:t>
+            </a:r>
+            <a:endParaRPr lang="en-US" sz="2400" dirty="0">
+              <a:solidFill>
+                <a:schemeClr val="bg1"/>
+              </a:solidFill>
+            </a:endParaRPr>
           </a:p>
         </p:txBody>
       </p:sp>
     </p:spTree>
     <p:extLst>
       <p:ext uri="{BB962C8B-B14F-4D97-AF65-F5344CB8AC3E}">
-        <p14:creationId xmlns:p14="http://schemas.microsoft.com/office/powerpoint/2010/main" val="731074451"/>
+        <p14:creationId xmlns:p14="http://schemas.microsoft.com/office/powerpoint/2010/main" val="2842306072"/>
       </p:ext>
     </p:extLst>
   </p:cSld>
@@ -6579,100 +7056,80 @@
           <a:p>
             <a:r>
               <a:rPr lang="en-US" dirty="0" smtClean="0"/>
-              <a:t>Modules: </a:t>
-            </a:r>
-            <a:r>
-              <a:rPr lang="en-US" dirty="0" err="1" smtClean="0"/>
-              <a:t>CommonJS</a:t>
-            </a:r>
-            <a:r>
-              <a:rPr lang="en-US" dirty="0" smtClean="0"/>
-              <a:t> / Node</a:t>
+              <a:t>ES6: Arrow Functions		</a:t>
             </a:r>
             <a:endParaRPr lang="en-US" dirty="0"/>
           </a:p>
         </p:txBody>
       </p:sp>
-      <p:sp>
-        <p:nvSpPr>
-          <p:cNvPr id="3" name="Text Placeholder 2"/>
-          <p:cNvSpPr>
-            <a:spLocks noGrp="1"/>
-          </p:cNvSpPr>
-          <p:nvPr>
-            <p:ph type="body" idx="1"/>
-          </p:nvPr>
-        </p:nvSpPr>
-        <p:spPr>
-          <a:xfrm>
-            <a:off x="628650" y="1417377"/>
-            <a:ext cx="7886700" cy="4351199"/>
-          </a:xfrm>
-        </p:spPr>
-        <p:txBody>
-          <a:bodyPr/>
+      <p:pic>
+        <p:nvPicPr>
+          <p:cNvPr id="3" name="Picture 2" descr="Screen Shot 2015-03-31 at 8.08.50 PM.png"/>
+          <p:cNvPicPr>
+            <a:picLocks noChangeAspect="1"/>
+          </p:cNvPicPr>
+          <p:nvPr/>
+        </p:nvPicPr>
+        <p:blipFill>
+          <a:blip r:embed="rId3">
+            <a:extLst>
+              <a:ext uri="{28A0092B-C50C-407E-A947-70E740481C1C}">
+                <a14:useLocalDpi xmlns:a14="http://schemas.microsoft.com/office/drawing/2010/main" val="0"/>
+              </a:ext>
+            </a:extLst>
+          </a:blip>
+          <a:stretch>
+            <a:fillRect/>
+          </a:stretch>
+        </p:blipFill>
+        <p:spPr>
+          <a:xfrm>
+            <a:off x="628650" y="2830091"/>
+            <a:ext cx="7785100" cy="2628900"/>
+          </a:xfrm>
+          <a:prstGeom prst="rect">
+            <a:avLst/>
+          </a:prstGeom>
+        </p:spPr>
+      </p:pic>
+      <p:sp>
+        <p:nvSpPr>
+          <p:cNvPr id="5" name="TextBox 4"/>
+          <p:cNvSpPr txBox="1"/>
+          <p:nvPr/>
+        </p:nvSpPr>
+        <p:spPr>
+          <a:xfrm>
+            <a:off x="1069474" y="1737899"/>
+            <a:ext cx="6938210" cy="492443"/>
+          </a:xfrm>
+          <a:prstGeom prst="rect">
+            <a:avLst/>
+          </a:prstGeom>
+          <a:noFill/>
+        </p:spPr>
+        <p:txBody>
+          <a:bodyPr wrap="square" rtlCol="0">
+            <a:spAutoFit/>
+          </a:bodyPr>
           <a:lstStyle/>
           <a:p>
-            <a:r>
-              <a:rPr lang="en-US" sz="2200" dirty="0" smtClean="0"/>
-              <a:t> First module definition syntax for JS</a:t>
-            </a:r>
-          </a:p>
-          <a:p>
-            <a:r>
-              <a:rPr lang="en-US" sz="2200" dirty="0"/>
-              <a:t> </a:t>
-            </a:r>
-            <a:r>
-              <a:rPr lang="en-US" sz="2200" dirty="0" smtClean="0"/>
-              <a:t>Adopted by Node</a:t>
-            </a:r>
-          </a:p>
-          <a:p>
-            <a:r>
-              <a:rPr lang="en-US" sz="2200" dirty="0"/>
-              <a:t> </a:t>
-            </a:r>
-            <a:r>
-              <a:rPr lang="en-US" sz="2200" dirty="0" smtClean="0"/>
-              <a:t>Syntaxes for defining single- vs. multi-valued modules</a:t>
-            </a:r>
-          </a:p>
-          <a:p>
-            <a:r>
-              <a:rPr lang="en-US" sz="2200" dirty="0"/>
-              <a:t> </a:t>
-            </a:r>
-            <a:r>
-              <a:rPr lang="en-US" sz="2200" dirty="0" smtClean="0"/>
-              <a:t>Synchronous module loading</a:t>
-            </a:r>
-          </a:p>
-          <a:p>
-            <a:r>
-              <a:rPr lang="en-US" sz="2200" dirty="0"/>
-              <a:t> </a:t>
-            </a:r>
-            <a:r>
-              <a:rPr lang="en-US" sz="2200" dirty="0" smtClean="0"/>
-              <a:t>Used in the browser (via </a:t>
-            </a:r>
-            <a:r>
-              <a:rPr lang="en-US" sz="2200" dirty="0" err="1" smtClean="0"/>
-              <a:t>Browserify</a:t>
-            </a:r>
-            <a:r>
-              <a:rPr lang="en-US" sz="2200" dirty="0" smtClean="0"/>
-              <a:t>)</a:t>
-            </a:r>
-            <a:endParaRPr lang="en-US" sz="2200" dirty="0"/>
+            <a:pPr algn="ctr"/>
+            <a:r>
+              <a:rPr lang="en-US" sz="2600" dirty="0" smtClean="0">
+                <a:solidFill>
+                  <a:schemeClr val="bg1"/>
+                </a:solidFill>
+              </a:rPr>
+              <a:t>Differences in single vs. multi-line syntax</a:t>
+            </a:r>
           </a:p>
         </p:txBody>
       </p:sp>
     </p:spTree>
     <p:extLst>
       <p:ext uri="{BB962C8B-B14F-4D97-AF65-F5344CB8AC3E}">
-        <p14:creationId xmlns:p14="http://schemas.microsoft.com/office/powerpoint/2010/main" val="1836212090"/>
+        <p14:creationId xmlns:p14="http://schemas.microsoft.com/office/powerpoint/2010/main" val="3471930637"/>
       </p:ext>
     </p:extLst>
   </p:cSld>
@@ -6728,106 +7185,46 @@
           <a:p>
             <a:r>
               <a:rPr lang="en-US" dirty="0" smtClean="0"/>
-              <a:t>Modules: AMD / </a:t>
-            </a:r>
-            <a:r>
-              <a:rPr lang="en-US" dirty="0" err="1" smtClean="0"/>
-              <a:t>RequireJS</a:t>
+              <a:t>ES6: “class”		</a:t>
             </a:r>
             <a:endParaRPr lang="en-US" dirty="0"/>
           </a:p>
         </p:txBody>
       </p:sp>
-      <p:sp>
-        <p:nvSpPr>
-          <p:cNvPr id="3" name="Text Placeholder 2"/>
-          <p:cNvSpPr>
-            <a:spLocks noGrp="1"/>
-          </p:cNvSpPr>
-          <p:nvPr>
-            <p:ph type="body" idx="1"/>
-          </p:nvPr>
-        </p:nvSpPr>
-        <p:spPr>
-          <a:xfrm>
-            <a:off x="628650" y="1417377"/>
-            <a:ext cx="7886700" cy="4351199"/>
-          </a:xfrm>
-        </p:spPr>
-        <p:txBody>
-          <a:bodyPr/>
-          <a:lstStyle/>
-          <a:p>
-            <a:r>
-              <a:rPr lang="en-US" sz="2200" dirty="0" smtClean="0"/>
-              <a:t> Asynchronous Module Definition</a:t>
-            </a:r>
-          </a:p>
-          <a:p>
-            <a:r>
-              <a:rPr lang="en-US" sz="2200" dirty="0"/>
-              <a:t> </a:t>
-            </a:r>
-            <a:r>
-              <a:rPr lang="en-US" sz="2200" dirty="0" err="1" smtClean="0"/>
-              <a:t>Require.js</a:t>
-            </a:r>
-            <a:r>
-              <a:rPr lang="en-US" sz="2200" dirty="0" smtClean="0"/>
-              <a:t> (most popular implementation of spec)</a:t>
-            </a:r>
-          </a:p>
-          <a:p>
-            <a:r>
-              <a:rPr lang="en-US" sz="2200" dirty="0"/>
-              <a:t> </a:t>
-            </a:r>
-            <a:r>
-              <a:rPr lang="en-US" sz="2200" dirty="0" smtClean="0"/>
-              <a:t>Mainly used in the browser</a:t>
-            </a:r>
-          </a:p>
-          <a:p>
-            <a:r>
-              <a:rPr lang="en-US" sz="2200" dirty="0"/>
-              <a:t> </a:t>
-            </a:r>
-            <a:r>
-              <a:rPr lang="en-US" sz="2200" dirty="0" smtClean="0"/>
-              <a:t>Requires some to a lot of configuration</a:t>
-            </a:r>
-          </a:p>
-          <a:p>
-            <a:r>
-              <a:rPr lang="en-US" sz="2200" dirty="0"/>
-              <a:t> </a:t>
-            </a:r>
-            <a:r>
-              <a:rPr lang="en-US" sz="2200" dirty="0" smtClean="0"/>
-              <a:t>Allows for JIT loading of modules</a:t>
-            </a:r>
-          </a:p>
-          <a:p>
-            <a:r>
-              <a:rPr lang="en-US" sz="2200" dirty="0"/>
-              <a:t> </a:t>
-            </a:r>
-            <a:r>
-              <a:rPr lang="en-US" sz="2200" dirty="0" err="1" smtClean="0"/>
-              <a:t>r.js</a:t>
-            </a:r>
-            <a:r>
-              <a:rPr lang="en-US" sz="2200" dirty="0" smtClean="0"/>
-              <a:t> for server side optimization</a:t>
-            </a:r>
-            <a:endParaRPr lang="en-US" sz="2200" dirty="0"/>
-          </a:p>
-        </p:txBody>
-      </p:sp>
+      <p:pic>
+        <p:nvPicPr>
+          <p:cNvPr id="5" name="Picture 4" descr="Screen Shot 2015-03-31 at 5.05.34 AM.png"/>
+          <p:cNvPicPr>
+            <a:picLocks noChangeAspect="1"/>
+          </p:cNvPicPr>
+          <p:nvPr/>
+        </p:nvPicPr>
+        <p:blipFill>
+          <a:blip r:embed="rId3">
+            <a:extLst>
+              <a:ext uri="{28A0092B-C50C-407E-A947-70E740481C1C}">
+                <a14:useLocalDpi xmlns:a14="http://schemas.microsoft.com/office/drawing/2010/main" val="0"/>
+              </a:ext>
+            </a:extLst>
+          </a:blip>
+          <a:stretch>
+            <a:fillRect/>
+          </a:stretch>
+        </p:blipFill>
+        <p:spPr>
+          <a:xfrm>
+            <a:off x="2554705" y="1554745"/>
+            <a:ext cx="4035926" cy="3756208"/>
+          </a:xfrm>
+          <a:prstGeom prst="rect">
+            <a:avLst/>
+          </a:prstGeom>
+        </p:spPr>
+      </p:pic>
     </p:spTree>
     <p:extLst>
       <p:ext uri="{BB962C8B-B14F-4D97-AF65-F5344CB8AC3E}">
-        <p14:creationId xmlns:p14="http://schemas.microsoft.com/office/powerpoint/2010/main" val="1812830038"/>
+        <p14:creationId xmlns:p14="http://schemas.microsoft.com/office/powerpoint/2010/main" val="2264043421"/>
       </p:ext>
     </p:extLst>
   </p:cSld>
@@ -6883,7 +7280,7 @@
           <a:p>
             <a:r>
               <a:rPr lang="en-US" dirty="0" smtClean="0"/>
-              <a:t>Modules: ES6</a:t>
+              <a:t>Modules</a:t>
             </a:r>
             <a:endParaRPr lang="en-US" dirty="0"/>
           </a:p>
@@ -6910,50 +7307,74 @@
           <a:lstStyle/>
           <a:p>
             <a:r>
-              <a:rPr lang="en-US" sz="2200" dirty="0" smtClean="0"/>
-              <a:t> First natively-supported module definition pattern</a:t>
-            </a:r>
-          </a:p>
-          <a:p>
+              <a:rPr lang="en-US" sz="2800" dirty="0"/>
+              <a:t> </a:t>
+            </a:r>
+            <a:r>
+              <a:rPr lang="en-US" sz="2800" dirty="0" smtClean="0"/>
+              <a:t>Code organizational</a:t>
+            </a:r>
+          </a:p>
+          <a:p>
+            <a:pPr lvl="1"/>
             <a:r>
               <a:rPr lang="en-US" sz="2200" dirty="0"/>
               <a:t> </a:t>
             </a:r>
             <a:r>
               <a:rPr lang="en-US" sz="2200" dirty="0" smtClean="0"/>
-              <a:t>Syntax similar to </a:t>
-            </a:r>
-            <a:r>
-              <a:rPr lang="en-US" sz="2200" dirty="0" err="1" smtClean="0"/>
-              <a:t>commonJS</a:t>
-            </a:r>
-            <a:endParaRPr lang="en-US" sz="2200" dirty="0" smtClean="0"/>
-          </a:p>
-          <a:p>
+              <a:t>Revealing module</a:t>
+            </a:r>
+          </a:p>
+          <a:p>
+            <a:pPr lvl="1"/>
+            <a:endParaRPr lang="en-US" sz="2200" dirty="0"/>
+          </a:p>
+          <a:p>
+            <a:r>
+              <a:rPr lang="en-US" sz="2800" dirty="0" smtClean="0"/>
+              <a:t> Definition and dependency management</a:t>
+            </a:r>
+          </a:p>
+          <a:p>
+            <a:pPr lvl="1"/>
             <a:r>
               <a:rPr lang="en-US" sz="2200" dirty="0"/>
               <a:t> </a:t>
             </a:r>
             <a:r>
               <a:rPr lang="en-US" sz="2200" dirty="0" smtClean="0"/>
-              <a:t>Support for sync and </a:t>
-            </a:r>
-            <a:r>
-              <a:rPr lang="en-US" sz="2200" dirty="0" err="1" smtClean="0"/>
-              <a:t>async</a:t>
+              <a:t>Node</a:t>
+            </a:r>
+          </a:p>
+          <a:p>
+            <a:pPr lvl="1"/>
+            <a:r>
+              <a:rPr lang="en-US" sz="2200" dirty="0"/>
+              <a:t> </a:t>
             </a:r>
             <a:r>
               <a:rPr lang="en-US" sz="2200" dirty="0" smtClean="0"/>
-              <a:t> loading (reference?)</a:t>
-            </a:r>
-            <a:endParaRPr lang="en-US" sz="2200" dirty="0"/>
+              <a:t>Browser</a:t>
+            </a:r>
+          </a:p>
+          <a:p>
+            <a:pPr lvl="1"/>
+            <a:r>
+              <a:rPr lang="en-US" sz="2200" dirty="0"/>
+              <a:t> </a:t>
+            </a:r>
+            <a:r>
+              <a:rPr lang="en-US" sz="2200" dirty="0" smtClean="0"/>
+              <a:t>ES6</a:t>
+            </a:r>
           </a:p>
         </p:txBody>
       </p:sp>
     </p:spTree>
     <p:extLst>
       <p:ext uri="{BB962C8B-B14F-4D97-AF65-F5344CB8AC3E}">
-        <p14:creationId xmlns:p14="http://schemas.microsoft.com/office/powerpoint/2010/main" val="1824734423"/>
+        <p14:creationId xmlns:p14="http://schemas.microsoft.com/office/powerpoint/2010/main" val="3827354587"/>
       </p:ext>
     </p:extLst>
   </p:cSld>
@@ -7136,7 +7557,7 @@
           <a:p>
             <a:r>
               <a:rPr lang="en-US" dirty="0" smtClean="0"/>
-              <a:t>UMD: Universal Module Definition</a:t>
+              <a:t>Revealing Module Pattern</a:t>
             </a:r>
             <a:endParaRPr lang="en-US" dirty="0"/>
           </a:p>
@@ -7155,7 +7576,7 @@
         <p:spPr>
           <a:xfrm>
             <a:off x="628650" y="1417377"/>
-            <a:ext cx="7886700" cy="4351199"/>
+            <a:ext cx="7886700" cy="1897991"/>
           </a:xfrm>
         </p:spPr>
         <p:txBody>
@@ -7163,37 +7584,47 @@
           <a:lstStyle/>
           <a:p>
             <a:r>
-              <a:rPr lang="en-US" sz="2600" dirty="0" smtClean="0"/>
-              <a:t> https://</a:t>
-            </a:r>
-            <a:r>
-              <a:rPr lang="en-US" sz="2600" dirty="0" err="1" smtClean="0"/>
-              <a:t>github.com</a:t>
-            </a:r>
-            <a:r>
-              <a:rPr lang="en-US" sz="2600" dirty="0" smtClean="0"/>
-              <a:t>/</a:t>
-            </a:r>
-            <a:r>
-              <a:rPr lang="en-US" sz="2600" dirty="0" err="1" smtClean="0"/>
-              <a:t>umdjs</a:t>
-            </a:r>
-            <a:r>
-              <a:rPr lang="en-US" sz="2600" dirty="0" smtClean="0"/>
-              <a:t>/</a:t>
-            </a:r>
-            <a:r>
-              <a:rPr lang="en-US" sz="2600" dirty="0" err="1" smtClean="0"/>
-              <a:t>umd</a:t>
-            </a:r>
-            <a:endParaRPr lang="en-US" sz="2600" dirty="0"/>
+              <a:rPr lang="en-US" sz="2800" dirty="0"/>
+              <a:t> </a:t>
+            </a:r>
+            <a:r>
+              <a:rPr lang="en-US" sz="2800" dirty="0" smtClean="0"/>
+              <a:t>Coding pattern to:</a:t>
+            </a:r>
+          </a:p>
+          <a:p>
+            <a:pPr lvl="1"/>
+            <a:r>
+              <a:rPr lang="en-US" sz="2200" dirty="0"/>
+              <a:t> </a:t>
+            </a:r>
+            <a:r>
+              <a:rPr lang="en-US" sz="2200" dirty="0" smtClean="0"/>
+              <a:t>Encapsulate private state and functionality</a:t>
+            </a:r>
+          </a:p>
+          <a:p>
+            <a:pPr lvl="1"/>
+            <a:r>
+              <a:rPr lang="en-US" sz="2200" dirty="0"/>
+              <a:t> </a:t>
+            </a:r>
+            <a:r>
+              <a:rPr lang="en-US" sz="2200" dirty="0" smtClean="0"/>
+              <a:t>Expose an interface to module’s core </a:t>
+            </a:r>
+            <a:r>
+              <a:rPr lang="en-US" sz="2200" dirty="0" err="1" smtClean="0"/>
+              <a:t>functionalit</a:t>
+            </a:r>
+            <a:endParaRPr lang="en-US" sz="2200" dirty="0" smtClean="0"/>
           </a:p>
         </p:txBody>
       </p:sp>
     </p:spTree>
     <p:extLst>
       <p:ext uri="{BB962C8B-B14F-4D97-AF65-F5344CB8AC3E}">
-        <p14:creationId xmlns:p14="http://schemas.microsoft.com/office/powerpoint/2010/main" val="1971842232"/>
+        <p14:creationId xmlns:p14="http://schemas.microsoft.com/office/powerpoint/2010/main" val="731074451"/>
       </p:ext>
     </p:extLst>
   </p:cSld>
@@ -7249,7 +7680,15 @@
           <a:p>
             <a:r>
               <a:rPr lang="en-US" dirty="0" smtClean="0"/>
-              <a:t>Utility Libraries</a:t>
+              <a:t>Modules: </a:t>
+            </a:r>
+            <a:r>
+              <a:rPr lang="en-US" dirty="0" err="1" smtClean="0"/>
+              <a:t>CommonJS</a:t>
+            </a:r>
+            <a:r>
+              <a:rPr lang="en-US" dirty="0" smtClean="0"/>
+              <a:t> / Node</a:t>
             </a:r>
             <a:endParaRPr lang="en-US" dirty="0"/>
           </a:p>
@@ -7277,32 +7716,7 @@
           <a:p>
             <a:r>
               <a:rPr lang="en-US" sz="2200" dirty="0" smtClean="0"/>
-              <a:t> </a:t>
-            </a:r>
-            <a:r>
-              <a:rPr lang="en-US" sz="2200" dirty="0" err="1" smtClean="0"/>
-              <a:t>Lodash</a:t>
-            </a:r>
-            <a:r>
-              <a:rPr lang="en-US" sz="2200" dirty="0" smtClean="0"/>
-              <a:t> / Underscore</a:t>
-            </a:r>
-          </a:p>
-          <a:p>
-            <a:r>
-              <a:rPr lang="en-US" sz="2200" dirty="0" smtClean="0"/>
-              <a:t> </a:t>
-            </a:r>
-            <a:r>
-              <a:rPr lang="en-US" sz="2200" dirty="0" err="1" smtClean="0"/>
-              <a:t>Lazy.js</a:t>
-            </a:r>
-            <a:endParaRPr lang="en-US" sz="2200" dirty="0"/>
-          </a:p>
-          <a:p>
-            <a:r>
-              <a:rPr lang="en-US" sz="2200" dirty="0" smtClean="0"/>
-              <a:t> Bluebird (Promise/A+ implementation)</a:t>
+              <a:t> First module definition syntax for JS</a:t>
             </a:r>
           </a:p>
           <a:p>
@@ -7311,10 +7725,9 @@
               <a:t> </a:t>
             </a:r>
             <a:r>
-              <a:rPr lang="en-US" sz="2200" dirty="0" err="1" smtClean="0"/>
-              <a:t>httpster</a:t>
-            </a:r>
-            <a:endParaRPr lang="en-US" sz="2200" dirty="0" smtClean="0"/>
+              <a:rPr lang="en-US" sz="2200" dirty="0" smtClean="0"/>
+              <a:t>Adopted by Node</a:t>
+            </a:r>
           </a:p>
           <a:p>
             <a:r>
@@ -7322,17 +7735,45 @@
               <a:t> </a:t>
             </a:r>
             <a:r>
+              <a:rPr lang="en-US" sz="2200" dirty="0" smtClean="0"/>
+              <a:t>Syntaxes for defining single- vs. multi-valued modules</a:t>
+            </a:r>
+          </a:p>
+          <a:p>
+            <a:r>
+              <a:rPr lang="en-US" sz="2200" dirty="0"/>
+              <a:t> </a:t>
+            </a:r>
+            <a:r>
+              <a:rPr lang="en-US" sz="2200" dirty="0" smtClean="0"/>
+              <a:t>Synchronous module loading</a:t>
+            </a:r>
+          </a:p>
+          <a:p>
+            <a:r>
+              <a:rPr lang="en-US" sz="2200" dirty="0"/>
+              <a:t> </a:t>
+            </a:r>
+            <a:r>
+              <a:rPr lang="en-US" sz="2200" dirty="0" smtClean="0"/>
+              <a:t>Used in the browser (via </a:t>
+            </a:r>
+            <a:r>
               <a:rPr lang="en-US" sz="2200" dirty="0" err="1" smtClean="0"/>
-              <a:t>ngrok</a:t>
-            </a:r>
-            <a:endParaRPr lang="en-US" sz="2200" dirty="0" smtClean="0"/>
+              <a:t>Browserify</a:t>
+            </a:r>
+            <a:r>
+              <a:rPr lang="en-US" sz="2200" dirty="0" smtClean="0"/>
+              <a:t>)</a:t>
+            </a:r>
+            <a:endParaRPr lang="en-US" sz="2200" dirty="0"/>
           </a:p>
         </p:txBody>
       </p:sp>
     </p:spTree>
     <p:extLst>
       <p:ext uri="{BB962C8B-B14F-4D97-AF65-F5344CB8AC3E}">
-        <p14:creationId xmlns:p14="http://schemas.microsoft.com/office/powerpoint/2010/main" val="3841288195"/>
+        <p14:creationId xmlns:p14="http://schemas.microsoft.com/office/powerpoint/2010/main" val="1836212090"/>
       </p:ext>
     </p:extLst>
   </p:cSld>
@@ -7387,14 +7828,14 @@
           <a:lstStyle/>
           <a:p>
             <a:r>
-              <a:rPr lang="en-US" sz="3400" dirty="0" err="1" smtClean="0"/>
-              <a:t>Async</a:t>
-            </a:r>
-            <a:r>
-              <a:rPr lang="en-US" sz="3400" dirty="0" smtClean="0"/>
-              <a:t> Flow Management</a:t>
-            </a:r>
-            <a:endParaRPr lang="en-US" sz="3400" dirty="0"/>
+              <a:rPr lang="en-US" dirty="0" smtClean="0"/>
+              <a:t>Modules: AMD / </a:t>
+            </a:r>
+            <a:r>
+              <a:rPr lang="en-US" dirty="0" err="1" smtClean="0"/>
+              <a:t>RequireJS</a:t>
+            </a:r>
+            <a:endParaRPr lang="en-US" dirty="0"/>
           </a:p>
         </p:txBody>
       </p:sp>
@@ -7420,7 +7861,7 @@
           <a:p>
             <a:r>
               <a:rPr lang="en-US" sz="2200" dirty="0" smtClean="0"/>
-              <a:t> Callbacks</a:t>
+              <a:t> Asynchronous Module Definition</a:t>
             </a:r>
           </a:p>
           <a:p>
@@ -7429,8 +7870,12 @@
               <a:t> </a:t>
             </a:r>
             <a:r>
+              <a:rPr lang="en-US" sz="2200" dirty="0" err="1" smtClean="0"/>
+              <a:t>Require.js</a:t>
+            </a:r>
+            <a:r>
               <a:rPr lang="en-US" sz="2200" dirty="0" smtClean="0"/>
-              <a:t>Promises</a:t>
+              <a:t> (most popular implementation of spec)</a:t>
             </a:r>
           </a:p>
           <a:p>
@@ -7440,23 +7885,50 @@
             </a:r>
             <a:r>
               <a:rPr lang="en-US" sz="2200" dirty="0" smtClean="0"/>
-              <a:t>Generators and </a:t>
+              <a:t>Mainly used in the browser</a:t>
+            </a:r>
+          </a:p>
+          <a:p>
+            <a:r>
+              <a:rPr lang="en-US" sz="2200" dirty="0"/>
+              <a:t> </a:t>
+            </a:r>
+            <a:r>
+              <a:rPr lang="en-US" sz="2200" dirty="0" smtClean="0"/>
+              <a:t>Requires some to a lot of configuration</a:t>
+            </a:r>
+          </a:p>
+          <a:p>
+            <a:r>
+              <a:rPr lang="en-US" sz="2200" dirty="0"/>
+              <a:t> </a:t>
+            </a:r>
+            <a:r>
+              <a:rPr lang="en-US" sz="2200" dirty="0" smtClean="0"/>
+              <a:t>Allows for JIT loading of modules</a:t>
+            </a:r>
+          </a:p>
+          <a:p>
+            <a:r>
+              <a:rPr lang="en-US" sz="2200" dirty="0"/>
+              <a:t> </a:t>
             </a:r>
             <a:r>
               <a:rPr lang="en-US" sz="2200" dirty="0" err="1" smtClean="0"/>
-              <a:t>Async</a:t>
+              <a:t>r.js</a:t>
             </a:r>
             <a:r>
               <a:rPr lang="en-US" sz="2200" dirty="0" smtClean="0"/>
-              <a:t> functions</a:t>
-            </a:r>
+              <a:t> for server side optimization</a:t>
+            </a:r>
+            <a:endParaRPr lang="en-US" sz="2200" dirty="0"/>
           </a:p>
         </p:txBody>
       </p:sp>
     </p:spTree>
     <p:extLst>
       <p:ext uri="{BB962C8B-B14F-4D97-AF65-F5344CB8AC3E}">
-        <p14:creationId xmlns:p14="http://schemas.microsoft.com/office/powerpoint/2010/main" val="2399971386"/>
+        <p14:creationId xmlns:p14="http://schemas.microsoft.com/office/powerpoint/2010/main" val="1812830038"/>
       </p:ext>
     </p:extLst>
   </p:cSld>
@@ -7511,14 +7983,10 @@
           <a:lstStyle/>
           <a:p>
             <a:r>
-              <a:rPr lang="en-US" sz="3400" dirty="0" err="1" smtClean="0"/>
-              <a:t>Async</a:t>
-            </a:r>
-            <a:r>
-              <a:rPr lang="en-US" sz="3400" dirty="0" smtClean="0"/>
-              <a:t> Flow Management: Callbacks</a:t>
-            </a:r>
-            <a:endParaRPr lang="en-US" sz="3400" dirty="0"/>
+              <a:rPr lang="en-US" dirty="0" smtClean="0"/>
+              <a:t>Modules: ES6</a:t>
+            </a:r>
+            <a:endParaRPr lang="en-US" dirty="0"/>
           </a:p>
         </p:txBody>
       </p:sp>
@@ -7544,42 +8012,7 @@
           <a:p>
             <a:r>
               <a:rPr lang="en-US" sz="2200" dirty="0" smtClean="0"/>
-              <a:t> Event handling – specify event name and </a:t>
-            </a:r>
-            <a:r>
-              <a:rPr lang="en-US" sz="2200" dirty="0" err="1" smtClean="0"/>
-              <a:t>fn</a:t>
-            </a:r>
-            <a:r>
-              <a:rPr lang="en-US" sz="2200" dirty="0" smtClean="0"/>
-              <a:t> to handle it</a:t>
-            </a:r>
-          </a:p>
-          <a:p>
-            <a:pPr lvl="1"/>
-            <a:r>
-              <a:rPr lang="en-US" sz="1600" dirty="0"/>
-              <a:t> </a:t>
-            </a:r>
-            <a:r>
-              <a:rPr lang="en-US" sz="1600" dirty="0" smtClean="0"/>
-              <a:t>$(‘#</a:t>
-            </a:r>
-            <a:r>
-              <a:rPr lang="en-US" sz="1600" dirty="0" err="1" smtClean="0"/>
-              <a:t>someElem</a:t>
-            </a:r>
-            <a:r>
-              <a:rPr lang="en-US" sz="1600" dirty="0" smtClean="0"/>
-              <a:t>’).on(‘click’, </a:t>
-            </a:r>
-            <a:r>
-              <a:rPr lang="en-US" sz="1600" dirty="0" err="1" smtClean="0"/>
-              <a:t>fn</a:t>
-            </a:r>
-            <a:r>
-              <a:rPr lang="en-US" sz="1600" dirty="0" smtClean="0"/>
-              <a:t>);</a:t>
+              <a:t> First natively-supported module definition pattern</a:t>
             </a:r>
           </a:p>
           <a:p>
@@ -7589,86 +8022,39 @@
             </a:r>
             <a:r>
               <a:rPr lang="en-US" sz="2200" dirty="0" smtClean="0"/>
-              <a:t>“Node style”</a:t>
-            </a:r>
+              <a:t>Syntax similar to </a:t>
+            </a:r>
+            <a:r>
+              <a:rPr lang="en-US" sz="2200" dirty="0" err="1" smtClean="0"/>
+              <a:t>commonJS</a:t>
+            </a:r>
+            <a:endParaRPr lang="en-US" sz="2200" dirty="0" smtClean="0"/>
+          </a:p>
+          <a:p>
             <a:r>
               <a:rPr lang="en-US" sz="2200" dirty="0"/>
               <a:t> </a:t>
             </a:r>
             <a:r>
               <a:rPr lang="en-US" sz="2200" dirty="0" smtClean="0"/>
-              <a:t>– err as first parameter, results as second</a:t>
-            </a:r>
-          </a:p>
-          <a:p>
-            <a:pPr lvl="1"/>
-            <a:r>
-              <a:rPr lang="en-US" sz="1600" dirty="0"/>
-              <a:t> </a:t>
-            </a:r>
-            <a:r>
-              <a:rPr lang="en-US" sz="1600" dirty="0" err="1" smtClean="0"/>
-              <a:t>fs.readFile</a:t>
-            </a:r>
-            <a:r>
-              <a:rPr lang="en-US" sz="1600" dirty="0" smtClean="0"/>
-              <a:t>(‘</a:t>
-            </a:r>
-            <a:r>
-              <a:rPr lang="en-US" sz="1600" dirty="0" err="1" smtClean="0"/>
-              <a:t>somefile.txt</a:t>
-            </a:r>
-            <a:r>
-              <a:rPr lang="en-US" sz="1600" dirty="0" smtClean="0"/>
-              <a:t>’, function(err, </a:t>
-            </a:r>
-            <a:r>
-              <a:rPr lang="en-US" sz="1600" dirty="0" err="1" smtClean="0"/>
-              <a:t>fileContent</a:t>
-            </a:r>
-            <a:r>
-              <a:rPr lang="en-US" sz="1600" dirty="0" smtClean="0"/>
-              <a:t>) {…})</a:t>
-            </a:r>
-            <a:endParaRPr lang="en-US" sz="2200" dirty="0" smtClean="0"/>
-          </a:p>
-          <a:p>
-            <a:r>
-              <a:rPr lang="en-US" sz="2200" dirty="0"/>
-              <a:t> </a:t>
+              <a:t>Support for sync and </a:t>
+            </a:r>
+            <a:r>
+              <a:rPr lang="en-US" sz="2200" dirty="0" err="1" smtClean="0"/>
+              <a:t>async</a:t>
             </a:r>
             <a:r>
               <a:rPr lang="en-US" sz="2200" dirty="0" smtClean="0"/>
-              <a:t>OK when flow is simple</a:t>
-            </a:r>
-          </a:p>
-          <a:p>
-            <a:r>
-              <a:rPr lang="en-US" sz="2200" dirty="0"/>
-              <a:t> </a:t>
-            </a:r>
-            <a:r>
-              <a:rPr lang="en-US" sz="2200" dirty="0" smtClean="0"/>
-              <a:t>Deeply nested callbacks: bad!</a:t>
-            </a:r>
-          </a:p>
-          <a:p>
-            <a:r>
-              <a:rPr lang="en-US" sz="2200" dirty="0"/>
-              <a:t> </a:t>
-            </a:r>
-            <a:r>
-              <a:rPr lang="en-US" sz="2200" dirty="0" smtClean="0"/>
-              <a:t>No spec around callbacks other than function signature</a:t>
-            </a:r>
-            <a:endParaRPr lang="en-US" sz="1600" dirty="0" smtClean="0"/>
+              <a:t> loading (reference?)</a:t>
+            </a:r>
+            <a:endParaRPr lang="en-US" sz="2200" dirty="0"/>
           </a:p>
         </p:txBody>
       </p:sp>
     </p:spTree>
     <p:extLst>
       <p:ext uri="{BB962C8B-B14F-4D97-AF65-F5344CB8AC3E}">
-        <p14:creationId xmlns:p14="http://schemas.microsoft.com/office/powerpoint/2010/main" val="64435875"/>
+        <p14:creationId xmlns:p14="http://schemas.microsoft.com/office/powerpoint/2010/main" val="1824734423"/>
       </p:ext>
     </p:extLst>
   </p:cSld>
@@ -7723,14 +8109,10 @@
           <a:lstStyle/>
           <a:p>
             <a:r>
-              <a:rPr lang="en-US" sz="3400" dirty="0" err="1" smtClean="0"/>
-              <a:t>Async</a:t>
-            </a:r>
-            <a:r>
-              <a:rPr lang="en-US" sz="3400" dirty="0" smtClean="0"/>
-              <a:t> Flow Management: Promises</a:t>
-            </a:r>
-            <a:endParaRPr lang="en-US" sz="3400" dirty="0"/>
+              <a:rPr lang="en-US" dirty="0" smtClean="0"/>
+              <a:t>UMD: Universal Module Definition</a:t>
+            </a:r>
+            <a:endParaRPr lang="en-US" dirty="0"/>
           </a:p>
         </p:txBody>
       </p:sp>
@@ -7756,59 +8138,36 @@
           <a:p>
             <a:r>
               <a:rPr lang="en-US" sz="2600" dirty="0" smtClean="0"/>
-              <a:t> Better flow readability</a:t>
-            </a:r>
-          </a:p>
-          <a:p>
-            <a:r>
-              <a:rPr lang="en-US" sz="2600" dirty="0"/>
-              <a:t> </a:t>
+              <a:t> https://</a:t>
+            </a:r>
+            <a:r>
+              <a:rPr lang="en-US" sz="2600" dirty="0" err="1" smtClean="0"/>
+              <a:t>github.com</a:t>
             </a:r>
             <a:r>
               <a:rPr lang="en-US" sz="2600" dirty="0" smtClean="0"/>
-              <a:t>Better error management</a:t>
-            </a:r>
-          </a:p>
-          <a:p>
-            <a:r>
-              <a:rPr lang="en-US" sz="2600" dirty="0"/>
-              <a:t> </a:t>
+              <a:t>/</a:t>
+            </a:r>
+            <a:r>
+              <a:rPr lang="en-US" sz="2600" dirty="0" err="1" smtClean="0"/>
+              <a:t>umdjs</a:t>
             </a:r>
             <a:r>
               <a:rPr lang="en-US" sz="2600" dirty="0" smtClean="0"/>
-              <a:t>A+ spec</a:t>
-            </a:r>
-          </a:p>
-          <a:p>
-            <a:r>
-              <a:rPr lang="en-US" sz="2600" dirty="0"/>
-              <a:t> </a:t>
-            </a:r>
-            <a:r>
-              <a:rPr lang="en-US" sz="2600" dirty="0" smtClean="0"/>
-              <a:t>Extensive API for </a:t>
+              <a:t>/</a:t>
             </a:r>
             <a:r>
               <a:rPr lang="en-US" sz="2600" dirty="0" err="1" smtClean="0"/>
-              <a:t>async</a:t>
-            </a:r>
-            <a:r>
-              <a:rPr lang="en-US" sz="2600" dirty="0" smtClean="0"/>
-              <a:t> task management</a:t>
-            </a:r>
-          </a:p>
-          <a:p>
-            <a:r>
-              <a:rPr lang="en-US" sz="2600" dirty="0" smtClean="0"/>
-              <a:t> Part of the ES6 language</a:t>
-            </a:r>
+              <a:t>umd</a:t>
+            </a:r>
+            <a:endParaRPr lang="en-US" sz="2600" dirty="0"/>
           </a:p>
         </p:txBody>
       </p:sp>
     </p:spTree>
     <p:extLst>
       <p:ext uri="{BB962C8B-B14F-4D97-AF65-F5344CB8AC3E}">
-        <p14:creationId xmlns:p14="http://schemas.microsoft.com/office/powerpoint/2010/main" val="4201370819"/>
+        <p14:creationId xmlns:p14="http://schemas.microsoft.com/office/powerpoint/2010/main" val="1971842232"/>
       </p:ext>
     </p:extLst>
   </p:cSld>
@@ -7864,7 +8223,7 @@
           <a:p>
             <a:r>
               <a:rPr lang="en-US" dirty="0" smtClean="0"/>
-              <a:t>Testing</a:t>
+              <a:t>Utility Libraries</a:t>
             </a:r>
             <a:endParaRPr lang="en-US" dirty="0"/>
           </a:p>
@@ -7892,7 +8251,32 @@
           <a:p>
             <a:r>
               <a:rPr lang="en-US" sz="2200" dirty="0" smtClean="0"/>
-              <a:t> Easier to harder</a:t>
+              <a:t> </a:t>
+            </a:r>
+            <a:r>
+              <a:rPr lang="en-US" sz="2200" dirty="0" err="1" smtClean="0"/>
+              <a:t>Lodash</a:t>
+            </a:r>
+            <a:r>
+              <a:rPr lang="en-US" sz="2200" dirty="0" smtClean="0"/>
+              <a:t> / Underscore</a:t>
+            </a:r>
+          </a:p>
+          <a:p>
+            <a:r>
+              <a:rPr lang="en-US" sz="2200" dirty="0" smtClean="0"/>
+              <a:t> </a:t>
+            </a:r>
+            <a:r>
+              <a:rPr lang="en-US" sz="2200" dirty="0" err="1" smtClean="0"/>
+              <a:t>Lazy.js</a:t>
+            </a:r>
+            <a:endParaRPr lang="en-US" sz="2200" dirty="0"/>
+          </a:p>
+          <a:p>
+            <a:r>
+              <a:rPr lang="en-US" sz="2200" dirty="0" smtClean="0"/>
+              <a:t> Bluebird (Promise/A+ implementation)</a:t>
             </a:r>
           </a:p>
           <a:p>
@@ -7901,9 +8285,10 @@
               <a:t> </a:t>
             </a:r>
             <a:r>
-              <a:rPr lang="en-US" sz="2200" dirty="0" smtClean="0"/>
-              <a:t>Testing framework (Jasmine)</a:t>
-            </a:r>
+              <a:rPr lang="en-US" sz="2200" dirty="0" err="1" smtClean="0"/>
+              <a:t>httpster</a:t>
+            </a:r>
+            <a:endParaRPr lang="en-US" sz="2200" dirty="0" smtClean="0"/>
           </a:p>
           <a:p>
             <a:r>
@@ -7911,32 +8296,17 @@
               <a:t> </a:t>
             </a:r>
             <a:r>
-              <a:rPr lang="en-US" sz="2200" dirty="0" smtClean="0"/>
-              <a:t>Mocks / stubs / spies</a:t>
-            </a:r>
-          </a:p>
-          <a:p>
-            <a:r>
-              <a:rPr lang="en-US" sz="2200" dirty="0"/>
-              <a:t> </a:t>
-            </a:r>
-            <a:r>
-              <a:rPr lang="en-US" sz="2200" dirty="0" smtClean="0"/>
-              <a:t>Test runners</a:t>
-            </a:r>
-          </a:p>
-          <a:p>
-            <a:r>
-              <a:rPr lang="en-US" sz="2200" dirty="0" smtClean="0"/>
-              <a:t> Debugging</a:t>
-            </a:r>
+              <a:rPr lang="en-US" sz="2200" dirty="0" err="1" smtClean="0"/>
+              <a:t>ngrok</a:t>
+            </a:r>
+            <a:endParaRPr lang="en-US" sz="2200" dirty="0" smtClean="0"/>
           </a:p>
         </p:txBody>
       </p:sp>
     </p:spTree>
     <p:extLst>
       <p:ext uri="{BB962C8B-B14F-4D97-AF65-F5344CB8AC3E}">
-        <p14:creationId xmlns:p14="http://schemas.microsoft.com/office/powerpoint/2010/main" val="1649413236"/>
+        <p14:creationId xmlns:p14="http://schemas.microsoft.com/office/powerpoint/2010/main" val="3841288195"/>
       </p:ext>
     </p:extLst>
   </p:cSld>
@@ -7992,7 +8362,7 @@
           <a:p>
             <a:r>
               <a:rPr lang="en-US" dirty="0" smtClean="0"/>
-              <a:t>Task Management</a:t>
+              <a:t>Utility Libraries</a:t>
             </a:r>
             <a:endParaRPr lang="en-US" dirty="0"/>
           </a:p>
@@ -8020,7 +8390,32 @@
           <a:p>
             <a:r>
               <a:rPr lang="en-US" sz="2200" dirty="0" smtClean="0"/>
-              <a:t> So many modules</a:t>
+              <a:t> </a:t>
+            </a:r>
+            <a:r>
+              <a:rPr lang="en-US" sz="2200" dirty="0" err="1" smtClean="0"/>
+              <a:t>Lodash</a:t>
+            </a:r>
+            <a:r>
+              <a:rPr lang="en-US" sz="2200" dirty="0" smtClean="0"/>
+              <a:t> / Underscore</a:t>
+            </a:r>
+          </a:p>
+          <a:p>
+            <a:r>
+              <a:rPr lang="en-US" sz="2200" dirty="0" smtClean="0"/>
+              <a:t> </a:t>
+            </a:r>
+            <a:r>
+              <a:rPr lang="en-US" sz="2200" dirty="0" err="1" smtClean="0"/>
+              <a:t>Lazy.js</a:t>
+            </a:r>
+            <a:endParaRPr lang="en-US" sz="2200" dirty="0"/>
+          </a:p>
+          <a:p>
+            <a:r>
+              <a:rPr lang="en-US" sz="2200" dirty="0" smtClean="0"/>
+              <a:t> Bluebird (Promise/A+ implementation)</a:t>
             </a:r>
           </a:p>
           <a:p>
@@ -8029,9 +8424,10 @@
               <a:t> </a:t>
             </a:r>
             <a:r>
-              <a:rPr lang="en-US" sz="2200" dirty="0" smtClean="0"/>
-              <a:t>Repeatable processes</a:t>
-            </a:r>
+              <a:rPr lang="en-US" sz="2200" dirty="0" err="1" smtClean="0"/>
+              <a:t>httpster</a:t>
+            </a:r>
+            <a:endParaRPr lang="en-US" sz="2200" dirty="0" smtClean="0"/>
           </a:p>
           <a:p>
             <a:r>
@@ -8039,92 +8435,17 @@
               <a:t> </a:t>
             </a:r>
             <a:r>
-              <a:rPr lang="en-US" sz="2200" dirty="0" smtClean="0"/>
-              <a:t>Source-controllable</a:t>
-            </a:r>
-          </a:p>
-          <a:p>
-            <a:r>
-              <a:rPr lang="en-US" sz="2200" dirty="0"/>
-              <a:t> </a:t>
-            </a:r>
-            <a:r>
-              <a:rPr lang="en-US" sz="2200" dirty="0" smtClean="0"/>
-              <a:t>Tooling written in and for JS</a:t>
-            </a:r>
-          </a:p>
-          <a:p>
-            <a:r>
-              <a:rPr lang="en-US" sz="2200" dirty="0"/>
-              <a:t> </a:t>
-            </a:r>
-            <a:r>
-              <a:rPr lang="en-US" sz="2200" dirty="0" smtClean="0"/>
-              <a:t>Options</a:t>
-            </a:r>
-          </a:p>
-          <a:p>
-            <a:pPr lvl="1"/>
-            <a:r>
-              <a:rPr lang="en-US" sz="1600" dirty="0"/>
-              <a:t> </a:t>
-            </a:r>
-            <a:r>
-              <a:rPr lang="en-US" sz="1600" dirty="0" smtClean="0"/>
-              <a:t>Grunt</a:t>
-            </a:r>
-          </a:p>
-          <a:p>
-            <a:pPr lvl="1"/>
-            <a:r>
-              <a:rPr lang="en-US" sz="1600" dirty="0"/>
-              <a:t> </a:t>
-            </a:r>
-            <a:r>
-              <a:rPr lang="en-US" sz="1600" dirty="0" smtClean="0"/>
-              <a:t>Gulp</a:t>
-            </a:r>
-          </a:p>
-          <a:p>
-            <a:pPr lvl="1"/>
-            <a:r>
-              <a:rPr lang="en-US" sz="1600" dirty="0"/>
-              <a:t> </a:t>
-            </a:r>
-            <a:r>
-              <a:rPr lang="en-US" sz="1600" dirty="0" smtClean="0"/>
-              <a:t>Broccoli</a:t>
-            </a:r>
-          </a:p>
-          <a:p>
-            <a:pPr lvl="1"/>
-            <a:r>
-              <a:rPr lang="en-US" sz="1600" dirty="0"/>
-              <a:t> </a:t>
-            </a:r>
-            <a:r>
-              <a:rPr lang="en-US" sz="1600" dirty="0" err="1" smtClean="0"/>
-              <a:t>Webpack</a:t>
-            </a:r>
-            <a:endParaRPr lang="en-US" sz="1600" dirty="0" smtClean="0"/>
-          </a:p>
-          <a:p>
-            <a:pPr lvl="1"/>
-            <a:r>
-              <a:rPr lang="en-US" sz="1600" dirty="0"/>
-              <a:t> </a:t>
-            </a:r>
-            <a:r>
-              <a:rPr lang="en-US" sz="1600" dirty="0" smtClean="0"/>
-              <a:t>etc…. </a:t>
-            </a:r>
+              <a:rPr lang="en-US" sz="2200" dirty="0" err="1" smtClean="0"/>
+              <a:t>ngrok</a:t>
+            </a:r>
+            <a:endParaRPr lang="en-US" sz="2200" dirty="0" smtClean="0"/>
           </a:p>
         </p:txBody>
       </p:sp>
     </p:spTree>
     <p:extLst>
       <p:ext uri="{BB962C8B-B14F-4D97-AF65-F5344CB8AC3E}">
-        <p14:creationId xmlns:p14="http://schemas.microsoft.com/office/powerpoint/2010/main" val="3938869390"/>
+        <p14:creationId xmlns:p14="http://schemas.microsoft.com/office/powerpoint/2010/main" val="242175070"/>
       </p:ext>
     </p:extLst>
   </p:cSld>
@@ -8180,7 +8501,7 @@
           <a:p>
             <a:r>
               <a:rPr lang="en-US" dirty="0" smtClean="0"/>
-              <a:t>Task Management: Grunt</a:t>
+              <a:t>Utility Libraries: _</a:t>
             </a:r>
             <a:endParaRPr lang="en-US" dirty="0"/>
           </a:p>
@@ -8198,56 +8519,28 @@
         </p:nvSpPr>
         <p:spPr>
           <a:xfrm>
-            <a:off x="628650" y="1417377"/>
-            <a:ext cx="7886700" cy="4351199"/>
+            <a:off x="628650" y="2326430"/>
+            <a:ext cx="7886700" cy="1055781"/>
           </a:xfrm>
         </p:spPr>
         <p:txBody>
           <a:bodyPr/>
           <a:lstStyle/>
           <a:p>
-            <a:r>
-              <a:rPr lang="en-US" sz="2200" dirty="0"/>
-              <a:t> </a:t>
-            </a:r>
-            <a:r>
-              <a:rPr lang="en-US" sz="2200" dirty="0" smtClean="0"/>
-              <a:t>Management by configuration</a:t>
-            </a:r>
-          </a:p>
-          <a:p>
-            <a:r>
-              <a:rPr lang="en-US" sz="2200" dirty="0"/>
-              <a:t> </a:t>
-            </a:r>
-            <a:r>
-              <a:rPr lang="en-US" sz="2200" dirty="0" smtClean="0"/>
-              <a:t>Consecutively running tasks</a:t>
-            </a:r>
-          </a:p>
-          <a:p>
-            <a:r>
-              <a:rPr lang="en-US" sz="2200" dirty="0" smtClean="0"/>
-              <a:t> Better fit for non-programmers </a:t>
-            </a:r>
-          </a:p>
-          <a:p>
-            <a:r>
-              <a:rPr lang="en-US" sz="2200" dirty="0"/>
-              <a:t> Large ecosystem of </a:t>
-            </a:r>
-            <a:r>
-              <a:rPr lang="en-US" sz="2200" dirty="0" smtClean="0"/>
-              <a:t>plugins</a:t>
-            </a:r>
-            <a:endParaRPr lang="en-US" sz="2200" dirty="0"/>
+            <a:pPr marL="177800" indent="0" algn="ctr">
+              <a:buNone/>
+            </a:pPr>
+            <a:r>
+              <a:rPr lang="en-US" sz="2800" dirty="0" smtClean="0"/>
+              <a:t>To the internet!</a:t>
+            </a:r>
           </a:p>
         </p:txBody>
       </p:sp>
     </p:spTree>
     <p:extLst>
       <p:ext uri="{BB962C8B-B14F-4D97-AF65-F5344CB8AC3E}">
-        <p14:creationId xmlns:p14="http://schemas.microsoft.com/office/powerpoint/2010/main" val="3565051886"/>
+        <p14:creationId xmlns:p14="http://schemas.microsoft.com/office/powerpoint/2010/main" val="3746812151"/>
       </p:ext>
     </p:extLst>
   </p:cSld>
@@ -8302,10 +8595,14 @@
           <a:lstStyle/>
           <a:p>
             <a:r>
-              <a:rPr lang="en-US" dirty="0" smtClean="0"/>
-              <a:t>Task Management: Gulp</a:t>
-            </a:r>
-            <a:endParaRPr lang="en-US" dirty="0"/>
+              <a:rPr lang="en-US" sz="3400" dirty="0" err="1" smtClean="0"/>
+              <a:t>Async</a:t>
+            </a:r>
+            <a:r>
+              <a:rPr lang="en-US" sz="3400" dirty="0" smtClean="0"/>
+              <a:t> Flow Management</a:t>
+            </a:r>
+            <a:endParaRPr lang="en-US" sz="3400" dirty="0"/>
           </a:p>
         </p:txBody>
       </p:sp>
@@ -8331,7 +8628,7 @@
           <a:p>
             <a:r>
               <a:rPr lang="en-US" sz="2200" dirty="0" smtClean="0"/>
-              <a:t> Management with code</a:t>
+              <a:t> Callbacks</a:t>
             </a:r>
           </a:p>
           <a:p>
@@ -8341,7 +8638,7 @@
             </a:r>
             <a:r>
               <a:rPr lang="en-US" sz="2200" dirty="0" smtClean="0"/>
-              <a:t>Stream-based</a:t>
+              <a:t>Promises</a:t>
             </a:r>
           </a:p>
           <a:p>
@@ -8351,27 +8648,15 @@
             </a:r>
             <a:r>
               <a:rPr lang="en-US" sz="2200" dirty="0" smtClean="0"/>
-              <a:t>Parallel running tasks</a:t>
-            </a:r>
-          </a:p>
-          <a:p>
-            <a:r>
-              <a:rPr lang="en-US" sz="2200" dirty="0"/>
-              <a:t> </a:t>
+              <a:t>Generators and </a:t>
+            </a:r>
+            <a:r>
+              <a:rPr lang="en-US" sz="2200" dirty="0" err="1" smtClean="0"/>
+              <a:t>Async</a:t>
             </a:r>
             <a:r>
               <a:rPr lang="en-US" sz="2200" dirty="0" smtClean="0"/>
-              <a:t>Fast and efficient</a:t>
-            </a:r>
-          </a:p>
-          <a:p>
-            <a:r>
-              <a:rPr lang="en-US" sz="2200" dirty="0"/>
-              <a:t> </a:t>
-            </a:r>
-            <a:r>
-              <a:rPr lang="en-US" sz="2200" dirty="0" smtClean="0"/>
-              <a:t>For programmers</a:t>
+              <a:t> functions</a:t>
             </a:r>
           </a:p>
         </p:txBody>
@@ -8379,7 +8664,7 @@
     </p:spTree>
     <p:extLst>
       <p:ext uri="{BB962C8B-B14F-4D97-AF65-F5344CB8AC3E}">
-        <p14:creationId xmlns:p14="http://schemas.microsoft.com/office/powerpoint/2010/main" val="588710634"/>
+        <p14:creationId xmlns:p14="http://schemas.microsoft.com/office/powerpoint/2010/main" val="2399971386"/>
       </p:ext>
     </p:extLst>
   </p:cSld>
@@ -8434,10 +8719,14 @@
           <a:lstStyle/>
           <a:p>
             <a:r>
-              <a:rPr lang="en-US" dirty="0" smtClean="0"/>
-              <a:t>Web Frameworks</a:t>
-            </a:r>
-            <a:endParaRPr lang="en-US" dirty="0"/>
+              <a:rPr lang="en-US" sz="3400" dirty="0" err="1" smtClean="0"/>
+              <a:t>Async</a:t>
+            </a:r>
+            <a:r>
+              <a:rPr lang="en-US" sz="3400" dirty="0" smtClean="0"/>
+              <a:t> Flow Management: Callbacks</a:t>
+            </a:r>
+            <a:endParaRPr lang="en-US" sz="3400" dirty="0"/>
           </a:p>
         </p:txBody>
       </p:sp>
@@ -8463,39 +8752,154 @@
           <a:p>
             <a:r>
               <a:rPr lang="en-US" sz="2200" dirty="0" smtClean="0"/>
-              <a:t> Lightweight options</a:t>
-            </a:r>
-          </a:p>
-          <a:p>
+              <a:t> Event handling – specify event name and </a:t>
+            </a:r>
+            <a:r>
+              <a:rPr lang="en-US" sz="2200" dirty="0" err="1" smtClean="0"/>
+              <a:t>fn</a:t>
+            </a:r>
+            <a:r>
+              <a:rPr lang="en-US" sz="2200" dirty="0" smtClean="0"/>
+              <a:t> to handle it</a:t>
+            </a:r>
+          </a:p>
+          <a:p>
+            <a:pPr lvl="1"/>
+            <a:r>
+              <a:rPr lang="en-US" sz="1600" dirty="0"/>
+              <a:t> </a:t>
+            </a:r>
+            <a:r>
+              <a:rPr lang="en-US" sz="1600" dirty="0" smtClean="0"/>
+              <a:t>$(‘#</a:t>
+            </a:r>
+            <a:r>
+              <a:rPr lang="en-US" sz="1600" dirty="0" err="1" smtClean="0"/>
+              <a:t>someElem</a:t>
+            </a:r>
+            <a:r>
+              <a:rPr lang="en-US" sz="1600" dirty="0" smtClean="0"/>
+              <a:t>’).on(‘click’, </a:t>
+            </a:r>
+            <a:r>
+              <a:rPr lang="en-US" sz="1600" dirty="0" err="1" smtClean="0"/>
+              <a:t>fn</a:t>
+            </a:r>
+            <a:r>
+              <a:rPr lang="en-US" sz="1600" dirty="0" smtClean="0"/>
+              <a:t>);</a:t>
+            </a:r>
+          </a:p>
+          <a:p>
+            <a:pPr marL="177800" indent="0">
+              <a:buNone/>
+            </a:pPr>
             <a:r>
               <a:rPr lang="en-US" sz="2200" dirty="0"/>
               <a:t> </a:t>
             </a:r>
+            <a:endParaRPr lang="en-US" sz="2200" dirty="0" smtClean="0"/>
+          </a:p>
+          <a:p>
             <a:r>
               <a:rPr lang="en-US" sz="2200" dirty="0" smtClean="0"/>
-              <a:t>Full(</a:t>
-            </a:r>
-            <a:r>
-              <a:rPr lang="en-US" sz="2200" dirty="0" err="1" smtClean="0"/>
-              <a:t>er</a:t>
+              <a:t>“</a:t>
             </a:r>
             <a:r>
               <a:rPr lang="en-US" sz="2200" dirty="0" smtClean="0"/>
-              <a:t>) stack</a:t>
-            </a:r>
-          </a:p>
-          <a:p>
+              <a:t>Node style”</a:t>
+            </a:r>
+            <a:r>
+              <a:rPr lang="en-US" sz="2200" dirty="0"/>
+              <a:t> </a:t>
+            </a:r>
             <a:r>
               <a:rPr lang="en-US" sz="2200" dirty="0" smtClean="0"/>
-              <a:t> Real-time</a:t>
-            </a:r>
+              <a:t>– err as first parameter, results as second</a:t>
+            </a:r>
+          </a:p>
+          <a:p>
+            <a:pPr lvl="1"/>
+            <a:r>
+              <a:rPr lang="en-US" sz="1600" dirty="0"/>
+              <a:t> </a:t>
+            </a:r>
+            <a:r>
+              <a:rPr lang="en-US" sz="1600" dirty="0" err="1" smtClean="0"/>
+              <a:t>fs.readFile</a:t>
+            </a:r>
+            <a:r>
+              <a:rPr lang="en-US" sz="1600" dirty="0" smtClean="0"/>
+              <a:t>(‘</a:t>
+            </a:r>
+            <a:r>
+              <a:rPr lang="en-US" sz="1600" dirty="0" err="1" smtClean="0"/>
+              <a:t>somefile.txt</a:t>
+            </a:r>
+            <a:r>
+              <a:rPr lang="en-US" sz="1600" dirty="0" smtClean="0"/>
+              <a:t>’, function(err, </a:t>
+            </a:r>
+            <a:r>
+              <a:rPr lang="en-US" sz="1600" dirty="0" err="1" smtClean="0"/>
+              <a:t>fileContent</a:t>
+            </a:r>
+            <a:r>
+              <a:rPr lang="en-US" sz="1600" dirty="0" smtClean="0"/>
+              <a:t>) {…}</a:t>
+            </a:r>
+            <a:r>
+              <a:rPr lang="en-US" sz="1600" dirty="0" smtClean="0"/>
+              <a:t>)</a:t>
+            </a:r>
+            <a:endParaRPr lang="en-US" sz="2200" dirty="0"/>
+          </a:p>
+          <a:p>
+            <a:pPr marL="177800" indent="0">
+              <a:buNone/>
+            </a:pPr>
+            <a:r>
+              <a:rPr lang="en-US" sz="2200" dirty="0" smtClean="0"/>
+              <a:t> </a:t>
+            </a:r>
+          </a:p>
+          <a:p>
+            <a:r>
+              <a:rPr lang="en-US" sz="2200" dirty="0" smtClean="0"/>
+              <a:t> OK </a:t>
+            </a:r>
+            <a:r>
+              <a:rPr lang="en-US" sz="2200" dirty="0" smtClean="0"/>
+              <a:t>when flow is simple</a:t>
+            </a:r>
+          </a:p>
+          <a:p>
+            <a:r>
+              <a:rPr lang="en-US" sz="2200" dirty="0"/>
+              <a:t> </a:t>
+            </a:r>
+            <a:r>
+              <a:rPr lang="en-US" sz="2200" dirty="0" smtClean="0"/>
+              <a:t>Deeply nested callbacks: bad!</a:t>
+            </a:r>
+          </a:p>
+          <a:p>
+            <a:r>
+              <a:rPr lang="en-US" sz="2200" dirty="0"/>
+              <a:t> </a:t>
+            </a:r>
+            <a:r>
+              <a:rPr lang="en-US" sz="2200" dirty="0" smtClean="0"/>
+              <a:t>No spec around callbacks other than function signature</a:t>
+            </a:r>
+            <a:endParaRPr lang="en-US" sz="1600" dirty="0" smtClean="0"/>
           </a:p>
         </p:txBody>
       </p:sp>
     </p:spTree>
     <p:extLst>
       <p:ext uri="{BB962C8B-B14F-4D97-AF65-F5344CB8AC3E}">
-        <p14:creationId xmlns:p14="http://schemas.microsoft.com/office/powerpoint/2010/main" val="1690069527"/>
+        <p14:creationId xmlns:p14="http://schemas.microsoft.com/office/powerpoint/2010/main" val="64435875"/>
       </p:ext>
     </p:extLst>
   </p:cSld>
@@ -8890,10 +9294,14 @@
           <a:lstStyle/>
           <a:p>
             <a:r>
-              <a:rPr lang="en-US" dirty="0" smtClean="0"/>
-              <a:t>Web Frameworks: Lightweight</a:t>
-            </a:r>
-            <a:endParaRPr lang="en-US" dirty="0"/>
+              <a:rPr lang="en-US" sz="3400" dirty="0" err="1" smtClean="0"/>
+              <a:t>Async</a:t>
+            </a:r>
+            <a:r>
+              <a:rPr lang="en-US" sz="3400" dirty="0" smtClean="0"/>
+              <a:t> Flow Management: Promises</a:t>
+            </a:r>
+            <a:endParaRPr lang="en-US" sz="3400" dirty="0"/>
           </a:p>
         </p:txBody>
       </p:sp>
@@ -8909,8 +9317,8 @@
         </p:nvSpPr>
         <p:spPr>
           <a:xfrm>
-            <a:off x="628650" y="1417378"/>
-            <a:ext cx="7886700" cy="2111886"/>
+            <a:off x="628650" y="1417377"/>
+            <a:ext cx="7886700" cy="4351199"/>
           </a:xfrm>
         </p:spPr>
         <p:txBody>
@@ -8918,230 +9326,60 @@
           <a:lstStyle/>
           <a:p>
             <a:r>
-              <a:rPr lang="en-US" sz="2200" dirty="0" smtClean="0"/>
-              <a:t> Low-level abstractions on http module</a:t>
-            </a:r>
-          </a:p>
-          <a:p>
-            <a:r>
-              <a:rPr lang="en-US" sz="2200" dirty="0"/>
+              <a:rPr lang="en-US" sz="2600" dirty="0" smtClean="0"/>
+              <a:t> Better flow readability</a:t>
+            </a:r>
+          </a:p>
+          <a:p>
+            <a:r>
+              <a:rPr lang="en-US" sz="2600" dirty="0"/>
               <a:t> </a:t>
             </a:r>
             <a:r>
-              <a:rPr lang="en-US" sz="2200" dirty="0" smtClean="0"/>
-              <a:t>Routing and middleware</a:t>
-            </a:r>
-          </a:p>
-        </p:txBody>
-      </p:sp>
-      <p:sp>
-        <p:nvSpPr>
-          <p:cNvPr id="4" name="Title 1"/>
-          <p:cNvSpPr txBox="1">
-            <a:spLocks/>
-          </p:cNvSpPr>
-          <p:nvPr/>
-        </p:nvSpPr>
-        <p:spPr>
-          <a:xfrm>
-            <a:off x="781050" y="4297946"/>
-            <a:ext cx="7886700" cy="1325700"/>
-          </a:xfrm>
-          <a:prstGeom prst="rect">
-            <a:avLst/>
-          </a:prstGeom>
-          <a:noFill/>
-          <a:ln>
-            <a:noFill/>
-          </a:ln>
-        </p:spPr>
-        <p:txBody>
-          <a:bodyPr lIns="91425" tIns="91425" rIns="91425" bIns="91425" anchor="ctr" anchorCtr="0"/>
-          <a:lstStyle>
-            <a:defPPr marR="0" algn="l" rtl="0">
-              <a:lnSpc>
-                <a:spcPct val="100000"/>
-              </a:lnSpc>
-              <a:spcBef>
-                <a:spcPts val="0"/>
-              </a:spcBef>
-              <a:spcAft>
-                <a:spcPts val="0"/>
-              </a:spcAft>
-            </a:defPPr>
-            <a:lvl1pPr marR="0" algn="l" rtl="0">
-              <a:lnSpc>
-                <a:spcPct val="90000"/>
-              </a:lnSpc>
-              <a:spcBef>
-                <a:spcPts val="0"/>
-              </a:spcBef>
-              <a:spcAft>
-                <a:spcPts val="0"/>
-              </a:spcAft>
-              <a:buClr>
-                <a:schemeClr val="dk1"/>
-              </a:buClr>
-              <a:buSzPct val="100000"/>
-              <a:buFont typeface="Calibri"/>
-              <a:buNone/>
-              <a:defRPr sz="3600" b="1" i="0" u="none" strike="noStrike" cap="none" baseline="0">
-                <a:solidFill>
-                  <a:schemeClr val="lt1"/>
-                </a:solidFill>
-                <a:latin typeface="Arial"/>
-                <a:ea typeface="Arial"/>
-                <a:cs typeface="Arial"/>
-                <a:sym typeface="Arial"/>
-                <a:rtl val="0"/>
-              </a:defRPr>
-            </a:lvl1pPr>
-            <a:lvl2pPr marR="0" algn="l" rtl="0">
-              <a:lnSpc>
-                <a:spcPct val="100000"/>
-              </a:lnSpc>
-              <a:spcBef>
-                <a:spcPts val="0"/>
-              </a:spcBef>
-              <a:spcAft>
-                <a:spcPts val="0"/>
-              </a:spcAft>
-              <a:buClr>
-                <a:schemeClr val="lt1"/>
-              </a:buClr>
-              <a:buSzPct val="100000"/>
-              <a:buNone/>
-              <a:defRPr sz="3600" b="1" i="0" u="none" strike="noStrike" cap="none" baseline="0">
-                <a:solidFill>
-                  <a:schemeClr val="lt1"/>
-                </a:solidFill>
-                <a:latin typeface="Arial"/>
-                <a:ea typeface="Arial"/>
-                <a:cs typeface="Arial"/>
-                <a:sym typeface="Arial"/>
-                <a:rtl val="0"/>
-              </a:defRPr>
-            </a:lvl2pPr>
-            <a:lvl3pPr rtl="0">
-              <a:spcBef>
-                <a:spcPts val="0"/>
-              </a:spcBef>
-              <a:buClr>
-                <a:schemeClr val="lt1"/>
-              </a:buClr>
-              <a:buSzPct val="100000"/>
-              <a:buNone/>
-              <a:defRPr sz="3600" b="1">
-                <a:solidFill>
-                  <a:schemeClr val="lt1"/>
-                </a:solidFill>
-              </a:defRPr>
-            </a:lvl3pPr>
-            <a:lvl4pPr rtl="0">
-              <a:spcBef>
-                <a:spcPts val="0"/>
-              </a:spcBef>
-              <a:buClr>
-                <a:schemeClr val="lt1"/>
-              </a:buClr>
-              <a:buSzPct val="100000"/>
-              <a:buNone/>
-              <a:defRPr sz="3600" b="1">
-                <a:solidFill>
-                  <a:schemeClr val="lt1"/>
-                </a:solidFill>
-              </a:defRPr>
-            </a:lvl4pPr>
-            <a:lvl5pPr rtl="0">
-              <a:spcBef>
-                <a:spcPts val="0"/>
-              </a:spcBef>
-              <a:buClr>
-                <a:schemeClr val="lt1"/>
-              </a:buClr>
-              <a:buSzPct val="100000"/>
-              <a:buNone/>
-              <a:defRPr sz="3600" b="1">
-                <a:solidFill>
-                  <a:schemeClr val="lt1"/>
-                </a:solidFill>
-              </a:defRPr>
-            </a:lvl5pPr>
-            <a:lvl6pPr rtl="0">
-              <a:spcBef>
-                <a:spcPts val="0"/>
-              </a:spcBef>
-              <a:buClr>
-                <a:schemeClr val="lt1"/>
-              </a:buClr>
-              <a:buSzPct val="100000"/>
-              <a:buNone/>
-              <a:defRPr sz="3600" b="1">
-                <a:solidFill>
-                  <a:schemeClr val="lt1"/>
-                </a:solidFill>
-              </a:defRPr>
-            </a:lvl6pPr>
-            <a:lvl7pPr rtl="0">
-              <a:spcBef>
-                <a:spcPts val="0"/>
-              </a:spcBef>
-              <a:buClr>
-                <a:schemeClr val="lt1"/>
-              </a:buClr>
-              <a:buSzPct val="100000"/>
-              <a:buNone/>
-              <a:defRPr sz="3600" b="1">
-                <a:solidFill>
-                  <a:schemeClr val="lt1"/>
-                </a:solidFill>
-              </a:defRPr>
-            </a:lvl7pPr>
-            <a:lvl8pPr rtl="0">
-              <a:spcBef>
-                <a:spcPts val="0"/>
-              </a:spcBef>
-              <a:buClr>
-                <a:schemeClr val="lt1"/>
-              </a:buClr>
-              <a:buSzPct val="100000"/>
-              <a:buNone/>
-              <a:defRPr sz="3600" b="1">
-                <a:solidFill>
-                  <a:schemeClr val="lt1"/>
-                </a:solidFill>
-              </a:defRPr>
-            </a:lvl8pPr>
-            <a:lvl9pPr rtl="0">
-              <a:spcBef>
-                <a:spcPts val="0"/>
-              </a:spcBef>
-              <a:buClr>
-                <a:schemeClr val="lt1"/>
-              </a:buClr>
-              <a:buSzPct val="100000"/>
-              <a:buNone/>
-              <a:defRPr sz="3600" b="1">
-                <a:solidFill>
-                  <a:schemeClr val="lt1"/>
-                </a:solidFill>
-              </a:defRPr>
-            </a:lvl9pPr>
-          </a:lstStyle>
-          <a:p>
-            <a:pPr algn="ctr"/>
-            <a:r>
-              <a:rPr lang="en-US" dirty="0" smtClean="0"/>
-              <a:t>Demo!</a:t>
-            </a:r>
-            <a:endParaRPr lang="en-US" dirty="0"/>
+              <a:rPr lang="en-US" sz="2600" dirty="0" smtClean="0"/>
+              <a:t>Better error management</a:t>
+            </a:r>
+          </a:p>
+          <a:p>
+            <a:r>
+              <a:rPr lang="en-US" sz="2600" dirty="0"/>
+              <a:t> </a:t>
+            </a:r>
+            <a:r>
+              <a:rPr lang="en-US" sz="2600" dirty="0" smtClean="0"/>
+              <a:t>A+ spec</a:t>
+            </a:r>
+          </a:p>
+          <a:p>
+            <a:r>
+              <a:rPr lang="en-US" sz="2600" dirty="0"/>
+              <a:t> </a:t>
+            </a:r>
+            <a:r>
+              <a:rPr lang="en-US" sz="2600" dirty="0" smtClean="0"/>
+              <a:t>Extensive API for </a:t>
+            </a:r>
+            <a:r>
+              <a:rPr lang="en-US" sz="2600" dirty="0" err="1" smtClean="0"/>
+              <a:t>async</a:t>
+            </a:r>
+            <a:r>
+              <a:rPr lang="en-US" sz="2600" dirty="0" smtClean="0"/>
+              <a:t> task management</a:t>
+            </a:r>
+          </a:p>
+          <a:p>
+            <a:r>
+              <a:rPr lang="en-US" sz="2600" dirty="0" smtClean="0"/>
+              <a:t> Part of the ES6 language</a:t>
+            </a:r>
           </a:p>
         </p:txBody>
       </p:sp>
     </p:spTree>
     <p:extLst>
       <p:ext uri="{BB962C8B-B14F-4D97-AF65-F5344CB8AC3E}">
-        <p14:creationId xmlns:p14="http://schemas.microsoft.com/office/powerpoint/2010/main" val="3908775830"/>
+        <p14:creationId xmlns:p14="http://schemas.microsoft.com/office/powerpoint/2010/main" val="4201370819"/>
       </p:ext>
     </p:extLst>
   </p:cSld>
@@ -9197,7 +9435,7 @@
           <a:p>
             <a:r>
               <a:rPr lang="en-US" dirty="0" smtClean="0"/>
-              <a:t>Web Frameworks: Full Stack</a:t>
+              <a:t>Testing</a:t>
             </a:r>
             <a:endParaRPr lang="en-US" dirty="0"/>
           </a:p>
@@ -9225,7 +9463,7 @@
           <a:p>
             <a:r>
               <a:rPr lang="en-US" sz="2200" dirty="0" smtClean="0"/>
-              <a:t> Routing, view layer, data model, etc.</a:t>
+              <a:t> Easier to harder</a:t>
             </a:r>
           </a:p>
           <a:p>
@@ -9235,7 +9473,7 @@
             </a:r>
             <a:r>
               <a:rPr lang="en-US" sz="2200" dirty="0" smtClean="0"/>
-              <a:t>One framework back to front</a:t>
+              <a:t>Testing framework (Jasmine)</a:t>
             </a:r>
           </a:p>
           <a:p>
@@ -9245,219 +9483,31 @@
             </a:r>
             <a:r>
               <a:rPr lang="en-US" sz="2200" dirty="0" smtClean="0"/>
-              <a:t>Real time out of the box </a:t>
-            </a:r>
-          </a:p>
-        </p:txBody>
-      </p:sp>
-      <p:sp>
-        <p:nvSpPr>
-          <p:cNvPr id="4" name="Title 1"/>
-          <p:cNvSpPr txBox="1">
-            <a:spLocks/>
-          </p:cNvSpPr>
-          <p:nvPr/>
-        </p:nvSpPr>
-        <p:spPr>
-          <a:xfrm>
-            <a:off x="781050" y="4297946"/>
-            <a:ext cx="7886700" cy="1325700"/>
-          </a:xfrm>
-          <a:prstGeom prst="rect">
-            <a:avLst/>
-          </a:prstGeom>
-          <a:noFill/>
-          <a:ln>
-            <a:noFill/>
-          </a:ln>
-        </p:spPr>
-        <p:txBody>
-          <a:bodyPr lIns="91425" tIns="91425" rIns="91425" bIns="91425" anchor="ctr" anchorCtr="0"/>
-          <a:lstStyle>
-            <a:defPPr marR="0" algn="l" rtl="0">
-              <a:lnSpc>
-                <a:spcPct val="100000"/>
-              </a:lnSpc>
-              <a:spcBef>
-                <a:spcPts val="0"/>
-              </a:spcBef>
-              <a:spcAft>
-                <a:spcPts val="0"/>
-              </a:spcAft>
-            </a:defPPr>
-            <a:lvl1pPr marR="0" algn="l" rtl="0">
-              <a:lnSpc>
-                <a:spcPct val="90000"/>
-              </a:lnSpc>
-              <a:spcBef>
-                <a:spcPts val="0"/>
-              </a:spcBef>
-              <a:spcAft>
-                <a:spcPts val="0"/>
-              </a:spcAft>
-              <a:buClr>
-                <a:schemeClr val="dk1"/>
-              </a:buClr>
-              <a:buSzPct val="100000"/>
-              <a:buFont typeface="Calibri"/>
-              <a:buNone/>
-              <a:defRPr sz="3600" b="1" i="0" u="none" strike="noStrike" cap="none" baseline="0">
-                <a:solidFill>
-                  <a:schemeClr val="lt1"/>
-                </a:solidFill>
-                <a:latin typeface="Arial"/>
-                <a:ea typeface="Arial"/>
-                <a:cs typeface="Arial"/>
-                <a:sym typeface="Arial"/>
-                <a:rtl val="0"/>
-              </a:defRPr>
-            </a:lvl1pPr>
-            <a:lvl2pPr marR="0" algn="l" rtl="0">
-              <a:lnSpc>
-                <a:spcPct val="100000"/>
-              </a:lnSpc>
-              <a:spcBef>
-                <a:spcPts val="0"/>
-              </a:spcBef>
-              <a:spcAft>
-                <a:spcPts val="0"/>
-              </a:spcAft>
-              <a:buClr>
-                <a:schemeClr val="lt1"/>
-              </a:buClr>
-              <a:buSzPct val="100000"/>
-              <a:buNone/>
-              <a:defRPr sz="3600" b="1" i="0" u="none" strike="noStrike" cap="none" baseline="0">
-                <a:solidFill>
-                  <a:schemeClr val="lt1"/>
-                </a:solidFill>
-                <a:latin typeface="Arial"/>
-                <a:ea typeface="Arial"/>
-                <a:cs typeface="Arial"/>
-                <a:sym typeface="Arial"/>
-                <a:rtl val="0"/>
-              </a:defRPr>
-            </a:lvl2pPr>
-            <a:lvl3pPr rtl="0">
-              <a:spcBef>
-                <a:spcPts val="0"/>
-              </a:spcBef>
-              <a:buClr>
-                <a:schemeClr val="lt1"/>
-              </a:buClr>
-              <a:buSzPct val="100000"/>
-              <a:buNone/>
-              <a:defRPr sz="3600" b="1">
-                <a:solidFill>
-                  <a:schemeClr val="lt1"/>
-                </a:solidFill>
-              </a:defRPr>
-            </a:lvl3pPr>
-            <a:lvl4pPr rtl="0">
-              <a:spcBef>
-                <a:spcPts val="0"/>
-              </a:spcBef>
-              <a:buClr>
-                <a:schemeClr val="lt1"/>
-              </a:buClr>
-              <a:buSzPct val="100000"/>
-              <a:buNone/>
-              <a:defRPr sz="3600" b="1">
-                <a:solidFill>
-                  <a:schemeClr val="lt1"/>
-                </a:solidFill>
-              </a:defRPr>
-            </a:lvl4pPr>
-            <a:lvl5pPr rtl="0">
-              <a:spcBef>
-                <a:spcPts val="0"/>
-              </a:spcBef>
-              <a:buClr>
-                <a:schemeClr val="lt1"/>
-              </a:buClr>
-              <a:buSzPct val="100000"/>
-              <a:buNone/>
-              <a:defRPr sz="3600" b="1">
-                <a:solidFill>
-                  <a:schemeClr val="lt1"/>
-                </a:solidFill>
-              </a:defRPr>
-            </a:lvl5pPr>
-            <a:lvl6pPr rtl="0">
-              <a:spcBef>
-                <a:spcPts val="0"/>
-              </a:spcBef>
-              <a:buClr>
-                <a:schemeClr val="lt1"/>
-              </a:buClr>
-              <a:buSzPct val="100000"/>
-              <a:buNone/>
-              <a:defRPr sz="3600" b="1">
-                <a:solidFill>
-                  <a:schemeClr val="lt1"/>
-                </a:solidFill>
-              </a:defRPr>
-            </a:lvl6pPr>
-            <a:lvl7pPr rtl="0">
-              <a:spcBef>
-                <a:spcPts val="0"/>
-              </a:spcBef>
-              <a:buClr>
-                <a:schemeClr val="lt1"/>
-              </a:buClr>
-              <a:buSzPct val="100000"/>
-              <a:buNone/>
-              <a:defRPr sz="3600" b="1">
-                <a:solidFill>
-                  <a:schemeClr val="lt1"/>
-                </a:solidFill>
-              </a:defRPr>
-            </a:lvl7pPr>
-            <a:lvl8pPr rtl="0">
-              <a:spcBef>
-                <a:spcPts val="0"/>
-              </a:spcBef>
-              <a:buClr>
-                <a:schemeClr val="lt1"/>
-              </a:buClr>
-              <a:buSzPct val="100000"/>
-              <a:buNone/>
-              <a:defRPr sz="3600" b="1">
-                <a:solidFill>
-                  <a:schemeClr val="lt1"/>
-                </a:solidFill>
-              </a:defRPr>
-            </a:lvl8pPr>
-            <a:lvl9pPr rtl="0">
-              <a:spcBef>
-                <a:spcPts val="0"/>
-              </a:spcBef>
-              <a:buClr>
-                <a:schemeClr val="lt1"/>
-              </a:buClr>
-              <a:buSzPct val="100000"/>
-              <a:buNone/>
-              <a:defRPr sz="3600" b="1">
-                <a:solidFill>
-                  <a:schemeClr val="lt1"/>
-                </a:solidFill>
-              </a:defRPr>
-            </a:lvl9pPr>
-          </a:lstStyle>
-          <a:p>
-            <a:pPr algn="ctr"/>
-            <a:r>
-              <a:rPr lang="en-US" dirty="0" smtClean="0"/>
-              <a:t>Demo!</a:t>
-            </a:r>
-            <a:endParaRPr lang="en-US" dirty="0"/>
+              <a:t>Mocks / stubs / spies</a:t>
+            </a:r>
+          </a:p>
+          <a:p>
+            <a:r>
+              <a:rPr lang="en-US" sz="2200" dirty="0"/>
+              <a:t> </a:t>
+            </a:r>
+            <a:r>
+              <a:rPr lang="en-US" sz="2200" dirty="0" smtClean="0"/>
+              <a:t>Test runners</a:t>
+            </a:r>
+          </a:p>
+          <a:p>
+            <a:r>
+              <a:rPr lang="en-US" sz="2200" dirty="0" smtClean="0"/>
+              <a:t> Debugging</a:t>
+            </a:r>
           </a:p>
         </p:txBody>
       </p:sp>
     </p:spTree>
     <p:extLst>
       <p:ext uri="{BB962C8B-B14F-4D97-AF65-F5344CB8AC3E}">
-        <p14:creationId xmlns:p14="http://schemas.microsoft.com/office/powerpoint/2010/main" val="4097585328"/>
+        <p14:creationId xmlns:p14="http://schemas.microsoft.com/office/powerpoint/2010/main" val="1649413236"/>
       </p:ext>
     </p:extLst>
   </p:cSld>
@@ -9513,7 +9563,7 @@
           <a:p>
             <a:r>
               <a:rPr lang="en-US" dirty="0" smtClean="0"/>
-              <a:t>Web Frameworks: Real Time</a:t>
+              <a:t>Task Management</a:t>
             </a:r>
             <a:endParaRPr lang="en-US" dirty="0"/>
           </a:p>
@@ -9541,13 +9591,8 @@
           <a:p>
             <a:r>
               <a:rPr lang="en-US" sz="2200" dirty="0" smtClean="0"/>
-              <a:t> </a:t>
-            </a:r>
-            <a:r>
-              <a:rPr lang="en-US" sz="2200" dirty="0" err="1" smtClean="0"/>
-              <a:t>Websockets</a:t>
-            </a:r>
-            <a:endParaRPr lang="en-US" sz="2200" dirty="0" smtClean="0"/>
+              <a:t> So many modules</a:t>
+            </a:r>
           </a:p>
           <a:p>
             <a:r>
@@ -9555,18 +9600,9 @@
               <a:t> </a:t>
             </a:r>
             <a:r>
-              <a:rPr lang="en-US" sz="2200" dirty="0" err="1" smtClean="0"/>
-              <a:t>Socket.io</a:t>
-            </a:r>
-            <a:r>
               <a:rPr lang="en-US" sz="2200" dirty="0" smtClean="0"/>
-              <a:t> and </a:t>
-            </a:r>
-            <a:r>
-              <a:rPr lang="en-US" sz="2200" dirty="0" err="1" smtClean="0"/>
-              <a:t>express.io</a:t>
-            </a:r>
-            <a:endParaRPr lang="en-US" sz="2200" dirty="0" smtClean="0"/>
+              <a:t>Repeatable processes</a:t>
+            </a:r>
           </a:p>
           <a:p>
             <a:r>
@@ -9574,221 +9610,92 @@
               <a:t> </a:t>
             </a:r>
             <a:r>
-              <a:rPr lang="en-US" sz="2200" dirty="0" err="1" smtClean="0"/>
-              <a:t>SignalR</a:t>
-            </a:r>
-            <a:endParaRPr lang="en-US" sz="2200" dirty="0" smtClean="0"/>
-          </a:p>
-        </p:txBody>
-      </p:sp>
-      <p:sp>
-        <p:nvSpPr>
-          <p:cNvPr id="4" name="Title 1"/>
-          <p:cNvSpPr txBox="1">
-            <a:spLocks/>
-          </p:cNvSpPr>
-          <p:nvPr/>
-        </p:nvSpPr>
-        <p:spPr>
-          <a:xfrm>
-            <a:off x="781050" y="4297946"/>
-            <a:ext cx="7886700" cy="1325700"/>
-          </a:xfrm>
-          <a:prstGeom prst="rect">
-            <a:avLst/>
-          </a:prstGeom>
-          <a:noFill/>
-          <a:ln>
-            <a:noFill/>
-          </a:ln>
-        </p:spPr>
-        <p:txBody>
-          <a:bodyPr lIns="91425" tIns="91425" rIns="91425" bIns="91425" anchor="ctr" anchorCtr="0"/>
-          <a:lstStyle>
-            <a:defPPr marR="0" algn="l" rtl="0">
-              <a:lnSpc>
-                <a:spcPct val="100000"/>
-              </a:lnSpc>
-              <a:spcBef>
-                <a:spcPts val="0"/>
-              </a:spcBef>
-              <a:spcAft>
-                <a:spcPts val="0"/>
-              </a:spcAft>
-            </a:defPPr>
-            <a:lvl1pPr marR="0" algn="l" rtl="0">
-              <a:lnSpc>
-                <a:spcPct val="90000"/>
-              </a:lnSpc>
-              <a:spcBef>
-                <a:spcPts val="0"/>
-              </a:spcBef>
-              <a:spcAft>
-                <a:spcPts val="0"/>
-              </a:spcAft>
-              <a:buClr>
-                <a:schemeClr val="dk1"/>
-              </a:buClr>
-              <a:buSzPct val="100000"/>
-              <a:buFont typeface="Calibri"/>
-              <a:buNone/>
-              <a:defRPr sz="3600" b="1" i="0" u="none" strike="noStrike" cap="none" baseline="0">
-                <a:solidFill>
-                  <a:schemeClr val="lt1"/>
-                </a:solidFill>
-                <a:latin typeface="Arial"/>
-                <a:ea typeface="Arial"/>
-                <a:cs typeface="Arial"/>
-                <a:sym typeface="Arial"/>
-                <a:rtl val="0"/>
-              </a:defRPr>
-            </a:lvl1pPr>
-            <a:lvl2pPr marR="0" algn="l" rtl="0">
-              <a:lnSpc>
-                <a:spcPct val="100000"/>
-              </a:lnSpc>
-              <a:spcBef>
-                <a:spcPts val="0"/>
-              </a:spcBef>
-              <a:spcAft>
-                <a:spcPts val="0"/>
-              </a:spcAft>
-              <a:buClr>
-                <a:schemeClr val="lt1"/>
-              </a:buClr>
-              <a:buSzPct val="100000"/>
-              <a:buNone/>
-              <a:defRPr sz="3600" b="1" i="0" u="none" strike="noStrike" cap="none" baseline="0">
-                <a:solidFill>
-                  <a:schemeClr val="lt1"/>
-                </a:solidFill>
-                <a:latin typeface="Arial"/>
-                <a:ea typeface="Arial"/>
-                <a:cs typeface="Arial"/>
-                <a:sym typeface="Arial"/>
-                <a:rtl val="0"/>
-              </a:defRPr>
-            </a:lvl2pPr>
-            <a:lvl3pPr rtl="0">
-              <a:spcBef>
-                <a:spcPts val="0"/>
-              </a:spcBef>
-              <a:buClr>
-                <a:schemeClr val="lt1"/>
-              </a:buClr>
-              <a:buSzPct val="100000"/>
-              <a:buNone/>
-              <a:defRPr sz="3600" b="1">
-                <a:solidFill>
-                  <a:schemeClr val="lt1"/>
-                </a:solidFill>
-              </a:defRPr>
-            </a:lvl3pPr>
-            <a:lvl4pPr rtl="0">
-              <a:spcBef>
-                <a:spcPts val="0"/>
-              </a:spcBef>
-              <a:buClr>
-                <a:schemeClr val="lt1"/>
-              </a:buClr>
-              <a:buSzPct val="100000"/>
-              <a:buNone/>
-              <a:defRPr sz="3600" b="1">
-                <a:solidFill>
-                  <a:schemeClr val="lt1"/>
-                </a:solidFill>
-              </a:defRPr>
-            </a:lvl4pPr>
-            <a:lvl5pPr rtl="0">
-              <a:spcBef>
-                <a:spcPts val="0"/>
-              </a:spcBef>
-              <a:buClr>
-                <a:schemeClr val="lt1"/>
-              </a:buClr>
-              <a:buSzPct val="100000"/>
-              <a:buNone/>
-              <a:defRPr sz="3600" b="1">
-                <a:solidFill>
-                  <a:schemeClr val="lt1"/>
-                </a:solidFill>
-              </a:defRPr>
-            </a:lvl5pPr>
-            <a:lvl6pPr rtl="0">
-              <a:spcBef>
-                <a:spcPts val="0"/>
-              </a:spcBef>
-              <a:buClr>
-                <a:schemeClr val="lt1"/>
-              </a:buClr>
-              <a:buSzPct val="100000"/>
-              <a:buNone/>
-              <a:defRPr sz="3600" b="1">
-                <a:solidFill>
-                  <a:schemeClr val="lt1"/>
-                </a:solidFill>
-              </a:defRPr>
-            </a:lvl6pPr>
-            <a:lvl7pPr rtl="0">
-              <a:spcBef>
-                <a:spcPts val="0"/>
-              </a:spcBef>
-              <a:buClr>
-                <a:schemeClr val="lt1"/>
-              </a:buClr>
-              <a:buSzPct val="100000"/>
-              <a:buNone/>
-              <a:defRPr sz="3600" b="1">
-                <a:solidFill>
-                  <a:schemeClr val="lt1"/>
-                </a:solidFill>
-              </a:defRPr>
-            </a:lvl7pPr>
-            <a:lvl8pPr rtl="0">
-              <a:spcBef>
-                <a:spcPts val="0"/>
-              </a:spcBef>
-              <a:buClr>
-                <a:schemeClr val="lt1"/>
-              </a:buClr>
-              <a:buSzPct val="100000"/>
-              <a:buNone/>
-              <a:defRPr sz="3600" b="1">
-                <a:solidFill>
-                  <a:schemeClr val="lt1"/>
-                </a:solidFill>
-              </a:defRPr>
-            </a:lvl8pPr>
-            <a:lvl9pPr rtl="0">
-              <a:spcBef>
-                <a:spcPts val="0"/>
-              </a:spcBef>
-              <a:buClr>
-                <a:schemeClr val="lt1"/>
-              </a:buClr>
-              <a:buSzPct val="100000"/>
-              <a:buNone/>
-              <a:defRPr sz="3600" b="1">
-                <a:solidFill>
-                  <a:schemeClr val="lt1"/>
-                </a:solidFill>
-              </a:defRPr>
-            </a:lvl9pPr>
-          </a:lstStyle>
-          <a:p>
-            <a:pPr algn="ctr"/>
-            <a:r>
-              <a:rPr lang="en-US" dirty="0" smtClean="0"/>
-              <a:t>Demo!</a:t>
-            </a:r>
-            <a:endParaRPr lang="en-US" dirty="0"/>
+              <a:rPr lang="en-US" sz="2200" dirty="0" smtClean="0"/>
+              <a:t>Source-controllable</a:t>
+            </a:r>
+          </a:p>
+          <a:p>
+            <a:r>
+              <a:rPr lang="en-US" sz="2200" dirty="0"/>
+              <a:t> </a:t>
+            </a:r>
+            <a:r>
+              <a:rPr lang="en-US" sz="2200" dirty="0" smtClean="0"/>
+              <a:t>Tooling written in and for JS</a:t>
+            </a:r>
+          </a:p>
+          <a:p>
+            <a:r>
+              <a:rPr lang="en-US" sz="2200" dirty="0"/>
+              <a:t> </a:t>
+            </a:r>
+            <a:r>
+              <a:rPr lang="en-US" sz="2200" dirty="0" smtClean="0"/>
+              <a:t>Options</a:t>
+            </a:r>
+          </a:p>
+          <a:p>
+            <a:pPr lvl="1"/>
+            <a:r>
+              <a:rPr lang="en-US" sz="1600" dirty="0"/>
+              <a:t> </a:t>
+            </a:r>
+            <a:r>
+              <a:rPr lang="en-US" sz="1600" dirty="0" smtClean="0"/>
+              <a:t>Grunt</a:t>
+            </a:r>
+          </a:p>
+          <a:p>
+            <a:pPr lvl="1"/>
+            <a:r>
+              <a:rPr lang="en-US" sz="1600" dirty="0"/>
+              <a:t> </a:t>
+            </a:r>
+            <a:r>
+              <a:rPr lang="en-US" sz="1600" dirty="0" smtClean="0"/>
+              <a:t>Gulp</a:t>
+            </a:r>
+          </a:p>
+          <a:p>
+            <a:pPr lvl="1"/>
+            <a:r>
+              <a:rPr lang="en-US" sz="1600" dirty="0"/>
+              <a:t> </a:t>
+            </a:r>
+            <a:r>
+              <a:rPr lang="en-US" sz="1600" dirty="0" smtClean="0"/>
+              <a:t>Broccoli</a:t>
+            </a:r>
+          </a:p>
+          <a:p>
+            <a:pPr lvl="1"/>
+            <a:r>
+              <a:rPr lang="en-US" sz="1600" dirty="0"/>
+              <a:t> </a:t>
+            </a:r>
+            <a:r>
+              <a:rPr lang="en-US" sz="1600" dirty="0" err="1" smtClean="0"/>
+              <a:t>Webpack</a:t>
+            </a:r>
+            <a:endParaRPr lang="en-US" sz="1600" dirty="0" smtClean="0"/>
+          </a:p>
+          <a:p>
+            <a:pPr lvl="1"/>
+            <a:r>
+              <a:rPr lang="en-US" sz="1600" dirty="0"/>
+              <a:t> </a:t>
+            </a:r>
+            <a:r>
+              <a:rPr lang="en-US" sz="1600" dirty="0" smtClean="0"/>
+              <a:t>etc…. </a:t>
+            </a:r>
           </a:p>
         </p:txBody>
       </p:sp>
     </p:spTree>
     <p:extLst>
       <p:ext uri="{BB962C8B-B14F-4D97-AF65-F5344CB8AC3E}">
-        <p14:creationId xmlns:p14="http://schemas.microsoft.com/office/powerpoint/2010/main" val="3603234287"/>
+        <p14:creationId xmlns:p14="http://schemas.microsoft.com/office/powerpoint/2010/main" val="3938869390"/>
       </p:ext>
     </p:extLst>
   </p:cSld>
@@ -9844,7 +9751,7 @@
           <a:p>
             <a:r>
               <a:rPr lang="en-US" dirty="0" smtClean="0"/>
-              <a:t>Scaffolding and Generators</a:t>
+              <a:t>Task Management: Grunt</a:t>
             </a:r>
             <a:endParaRPr lang="en-US" dirty="0"/>
           </a:p>
@@ -9871,235 +9778,47 @@
           <a:lstStyle/>
           <a:p>
             <a:r>
-              <a:rPr lang="en-US" sz="2200" dirty="0" smtClean="0"/>
-              <a:t> express-</a:t>
-            </a:r>
-            <a:r>
-              <a:rPr lang="en-US" sz="2200" dirty="0" err="1" smtClean="0"/>
-              <a:t>init</a:t>
-            </a:r>
-            <a:endParaRPr lang="en-US" sz="2200" dirty="0" smtClean="0"/>
-          </a:p>
-          <a:p>
-            <a:r>
               <a:rPr lang="en-US" sz="2200" dirty="0"/>
               <a:t> </a:t>
             </a:r>
             <a:r>
               <a:rPr lang="en-US" sz="2200" dirty="0" smtClean="0"/>
-              <a:t>Yeoman</a:t>
-            </a:r>
-          </a:p>
-        </p:txBody>
-      </p:sp>
-      <p:sp>
-        <p:nvSpPr>
-          <p:cNvPr id="4" name="Title 1"/>
-          <p:cNvSpPr txBox="1">
-            <a:spLocks/>
-          </p:cNvSpPr>
-          <p:nvPr/>
-        </p:nvSpPr>
-        <p:spPr>
-          <a:xfrm>
-            <a:off x="781050" y="4297946"/>
-            <a:ext cx="7886700" cy="1325700"/>
-          </a:xfrm>
-          <a:prstGeom prst="rect">
-            <a:avLst/>
-          </a:prstGeom>
-          <a:noFill/>
-          <a:ln>
-            <a:noFill/>
-          </a:ln>
-        </p:spPr>
-        <p:txBody>
-          <a:bodyPr lIns="91425" tIns="91425" rIns="91425" bIns="91425" anchor="ctr" anchorCtr="0"/>
-          <a:lstStyle>
-            <a:defPPr marR="0" algn="l" rtl="0">
-              <a:lnSpc>
-                <a:spcPct val="100000"/>
-              </a:lnSpc>
-              <a:spcBef>
-                <a:spcPts val="0"/>
-              </a:spcBef>
-              <a:spcAft>
-                <a:spcPts val="0"/>
-              </a:spcAft>
-            </a:defPPr>
-            <a:lvl1pPr marR="0" algn="l" rtl="0">
-              <a:lnSpc>
-                <a:spcPct val="90000"/>
-              </a:lnSpc>
-              <a:spcBef>
-                <a:spcPts val="0"/>
-              </a:spcBef>
-              <a:spcAft>
-                <a:spcPts val="0"/>
-              </a:spcAft>
-              <a:buClr>
-                <a:schemeClr val="dk1"/>
-              </a:buClr>
-              <a:buSzPct val="100000"/>
-              <a:buFont typeface="Calibri"/>
-              <a:buNone/>
-              <a:defRPr sz="3600" b="1" i="0" u="none" strike="noStrike" cap="none" baseline="0">
-                <a:solidFill>
-                  <a:schemeClr val="lt1"/>
-                </a:solidFill>
-                <a:latin typeface="Arial"/>
-                <a:ea typeface="Arial"/>
-                <a:cs typeface="Arial"/>
-                <a:sym typeface="Arial"/>
-                <a:rtl val="0"/>
-              </a:defRPr>
-            </a:lvl1pPr>
-            <a:lvl2pPr marR="0" algn="l" rtl="0">
-              <a:lnSpc>
-                <a:spcPct val="100000"/>
-              </a:lnSpc>
-              <a:spcBef>
-                <a:spcPts val="0"/>
-              </a:spcBef>
-              <a:spcAft>
-                <a:spcPts val="0"/>
-              </a:spcAft>
-              <a:buClr>
-                <a:schemeClr val="lt1"/>
-              </a:buClr>
-              <a:buSzPct val="100000"/>
-              <a:buNone/>
-              <a:defRPr sz="3600" b="1" i="0" u="none" strike="noStrike" cap="none" baseline="0">
-                <a:solidFill>
-                  <a:schemeClr val="lt1"/>
-                </a:solidFill>
-                <a:latin typeface="Arial"/>
-                <a:ea typeface="Arial"/>
-                <a:cs typeface="Arial"/>
-                <a:sym typeface="Arial"/>
-                <a:rtl val="0"/>
-              </a:defRPr>
-            </a:lvl2pPr>
-            <a:lvl3pPr rtl="0">
-              <a:spcBef>
-                <a:spcPts val="0"/>
-              </a:spcBef>
-              <a:buClr>
-                <a:schemeClr val="lt1"/>
-              </a:buClr>
-              <a:buSzPct val="100000"/>
-              <a:buNone/>
-              <a:defRPr sz="3600" b="1">
-                <a:solidFill>
-                  <a:schemeClr val="lt1"/>
-                </a:solidFill>
-              </a:defRPr>
-            </a:lvl3pPr>
-            <a:lvl4pPr rtl="0">
-              <a:spcBef>
-                <a:spcPts val="0"/>
-              </a:spcBef>
-              <a:buClr>
-                <a:schemeClr val="lt1"/>
-              </a:buClr>
-              <a:buSzPct val="100000"/>
-              <a:buNone/>
-              <a:defRPr sz="3600" b="1">
-                <a:solidFill>
-                  <a:schemeClr val="lt1"/>
-                </a:solidFill>
-              </a:defRPr>
-            </a:lvl4pPr>
-            <a:lvl5pPr rtl="0">
-              <a:spcBef>
-                <a:spcPts val="0"/>
-              </a:spcBef>
-              <a:buClr>
-                <a:schemeClr val="lt1"/>
-              </a:buClr>
-              <a:buSzPct val="100000"/>
-              <a:buNone/>
-              <a:defRPr sz="3600" b="1">
-                <a:solidFill>
-                  <a:schemeClr val="lt1"/>
-                </a:solidFill>
-              </a:defRPr>
-            </a:lvl5pPr>
-            <a:lvl6pPr rtl="0">
-              <a:spcBef>
-                <a:spcPts val="0"/>
-              </a:spcBef>
-              <a:buClr>
-                <a:schemeClr val="lt1"/>
-              </a:buClr>
-              <a:buSzPct val="100000"/>
-              <a:buNone/>
-              <a:defRPr sz="3600" b="1">
-                <a:solidFill>
-                  <a:schemeClr val="lt1"/>
-                </a:solidFill>
-              </a:defRPr>
-            </a:lvl6pPr>
-            <a:lvl7pPr rtl="0">
-              <a:spcBef>
-                <a:spcPts val="0"/>
-              </a:spcBef>
-              <a:buClr>
-                <a:schemeClr val="lt1"/>
-              </a:buClr>
-              <a:buSzPct val="100000"/>
-              <a:buNone/>
-              <a:defRPr sz="3600" b="1">
-                <a:solidFill>
-                  <a:schemeClr val="lt1"/>
-                </a:solidFill>
-              </a:defRPr>
-            </a:lvl7pPr>
-            <a:lvl8pPr rtl="0">
-              <a:spcBef>
-                <a:spcPts val="0"/>
-              </a:spcBef>
-              <a:buClr>
-                <a:schemeClr val="lt1"/>
-              </a:buClr>
-              <a:buSzPct val="100000"/>
-              <a:buNone/>
-              <a:defRPr sz="3600" b="1">
-                <a:solidFill>
-                  <a:schemeClr val="lt1"/>
-                </a:solidFill>
-              </a:defRPr>
-            </a:lvl8pPr>
-            <a:lvl9pPr rtl="0">
-              <a:spcBef>
-                <a:spcPts val="0"/>
-              </a:spcBef>
-              <a:buClr>
-                <a:schemeClr val="lt1"/>
-              </a:buClr>
-              <a:buSzPct val="100000"/>
-              <a:buNone/>
-              <a:defRPr sz="3600" b="1">
-                <a:solidFill>
-                  <a:schemeClr val="lt1"/>
-                </a:solidFill>
-              </a:defRPr>
-            </a:lvl9pPr>
-          </a:lstStyle>
-          <a:p>
-            <a:pPr algn="ctr"/>
-            <a:r>
-              <a:rPr lang="en-US" dirty="0" smtClean="0"/>
-              <a:t>Demo!</a:t>
-            </a:r>
-            <a:endParaRPr lang="en-US" dirty="0"/>
+              <a:t>Management by configuration</a:t>
+            </a:r>
+          </a:p>
+          <a:p>
+            <a:r>
+              <a:rPr lang="en-US" sz="2200" dirty="0"/>
+              <a:t> </a:t>
+            </a:r>
+            <a:r>
+              <a:rPr lang="en-US" sz="2200" dirty="0" smtClean="0"/>
+              <a:t>Consecutively running tasks</a:t>
+            </a:r>
+          </a:p>
+          <a:p>
+            <a:r>
+              <a:rPr lang="en-US" sz="2200" dirty="0" smtClean="0"/>
+              <a:t> Better fit for non-programmers </a:t>
+            </a:r>
+          </a:p>
+          <a:p>
+            <a:r>
+              <a:rPr lang="en-US" sz="2200" dirty="0"/>
+              <a:t> Large ecosystem of </a:t>
+            </a:r>
+            <a:r>
+              <a:rPr lang="en-US" sz="2200" dirty="0" smtClean="0"/>
+              <a:t>plugins</a:t>
+            </a:r>
+            <a:endParaRPr lang="en-US" sz="2200" dirty="0"/>
           </a:p>
         </p:txBody>
       </p:sp>
     </p:spTree>
     <p:extLst>
       <p:ext uri="{BB962C8B-B14F-4D97-AF65-F5344CB8AC3E}">
-        <p14:creationId xmlns:p14="http://schemas.microsoft.com/office/powerpoint/2010/main" val="3962460224"/>
+        <p14:creationId xmlns:p14="http://schemas.microsoft.com/office/powerpoint/2010/main" val="3565051886"/>
       </p:ext>
     </p:extLst>
   </p:cSld>
@@ -10155,7 +9874,7 @@
           <a:p>
             <a:r>
               <a:rPr lang="en-US" dirty="0" smtClean="0"/>
-              <a:t>Visual Studio Integration</a:t>
+              <a:t>Task Management: Gulp</a:t>
             </a:r>
             <a:endParaRPr lang="en-US" dirty="0"/>
           </a:p>
@@ -10183,11 +9902,7 @@
           <a:p>
             <a:r>
               <a:rPr lang="en-US" sz="2200" dirty="0" smtClean="0"/>
-              <a:t> </a:t>
-            </a:r>
-            <a:r>
-              <a:rPr lang="en-US" sz="2200" dirty="0" smtClean="0"/>
-              <a:t>Node Tools v1</a:t>
+              <a:t> Management with code</a:t>
             </a:r>
           </a:p>
           <a:p>
@@ -10197,16 +9912,1209 @@
             </a:r>
             <a:r>
               <a:rPr lang="en-US" sz="2200" dirty="0" smtClean="0"/>
-              <a:t>Task Manager</a:t>
-            </a:r>
-            <a:endParaRPr lang="en-US" sz="2200" dirty="0" smtClean="0"/>
+              <a:t>Stream-based</a:t>
+            </a:r>
+          </a:p>
+          <a:p>
+            <a:r>
+              <a:rPr lang="en-US" sz="2200" dirty="0"/>
+              <a:t> </a:t>
+            </a:r>
+            <a:r>
+              <a:rPr lang="en-US" sz="2200" dirty="0" smtClean="0"/>
+              <a:t>Parallel running tasks</a:t>
+            </a:r>
+          </a:p>
+          <a:p>
+            <a:r>
+              <a:rPr lang="en-US" sz="2200" dirty="0"/>
+              <a:t> </a:t>
+            </a:r>
+            <a:r>
+              <a:rPr lang="en-US" sz="2200" dirty="0" smtClean="0"/>
+              <a:t>Fast and efficient</a:t>
+            </a:r>
+          </a:p>
+          <a:p>
+            <a:r>
+              <a:rPr lang="en-US" sz="2200" dirty="0"/>
+              <a:t> </a:t>
+            </a:r>
+            <a:r>
+              <a:rPr lang="en-US" sz="2200" dirty="0" smtClean="0"/>
+              <a:t>For programmers</a:t>
+            </a:r>
           </a:p>
         </p:txBody>
       </p:sp>
     </p:spTree>
     <p:extLst>
       <p:ext uri="{BB962C8B-B14F-4D97-AF65-F5344CB8AC3E}">
-        <p14:creationId xmlns:p14="http://schemas.microsoft.com/office/powerpoint/2010/main" val="3230540451"/>
+        <p14:creationId xmlns:p14="http://schemas.microsoft.com/office/powerpoint/2010/main" val="588710634"/>
+      </p:ext>
+    </p:extLst>
+  </p:cSld>
+  <p:clrMapOvr>
+    <a:masterClrMapping/>
+  </p:clrMapOvr>
+  <p:timing>
+    <p:tnLst>
+      <p:par>
+        <p:cTn xmlns:p14="http://schemas.microsoft.com/office/powerpoint/2010/main" id="1" dur="indefinite" restart="never" nodeType="tmRoot"/>
+      </p:par>
+    </p:tnLst>
+  </p:timing>
+</p:sld>
+</file>
+
+<file path=ppt/slides/slide35.xml><?xml version="1.0" encoding="utf-8"?>
+<p:sld xmlns:a="http://schemas.openxmlformats.org/drawingml/2006/main" xmlns:r="http://schemas.openxmlformats.org/officeDocument/2006/relationships" xmlns:p="http://schemas.openxmlformats.org/presentationml/2006/main">
+  <p:cSld>
+    <p:spTree>
+      <p:nvGrpSpPr>
+        <p:cNvPr id="1" name=""/>
+        <p:cNvGrpSpPr/>
+        <p:nvPr/>
+      </p:nvGrpSpPr>
+      <p:grpSpPr>
+        <a:xfrm>
+          <a:off x="0" y="0"/>
+          <a:ext cx="0" cy="0"/>
+          <a:chOff x="0" y="0"/>
+          <a:chExt cx="0" cy="0"/>
+        </a:xfrm>
+      </p:grpSpPr>
+      <p:sp>
+        <p:nvSpPr>
+          <p:cNvPr id="2" name="Title 1"/>
+          <p:cNvSpPr>
+            <a:spLocks noGrp="1"/>
+          </p:cNvSpPr>
+          <p:nvPr>
+            <p:ph type="title"/>
+          </p:nvPr>
+        </p:nvSpPr>
+        <p:spPr>
+          <a:xfrm>
+            <a:off x="628650" y="229045"/>
+            <a:ext cx="7886700" cy="1325700"/>
+          </a:xfrm>
+        </p:spPr>
+        <p:txBody>
+          <a:bodyPr/>
+          <a:lstStyle/>
+          <a:p>
+            <a:r>
+              <a:rPr lang="en-US" dirty="0" smtClean="0"/>
+              <a:t>Web Frameworks</a:t>
+            </a:r>
+            <a:endParaRPr lang="en-US" dirty="0"/>
+          </a:p>
+        </p:txBody>
+      </p:sp>
+      <p:sp>
+        <p:nvSpPr>
+          <p:cNvPr id="3" name="Text Placeholder 2"/>
+          <p:cNvSpPr>
+            <a:spLocks noGrp="1"/>
+          </p:cNvSpPr>
+          <p:nvPr>
+            <p:ph type="body" idx="1"/>
+          </p:nvPr>
+        </p:nvSpPr>
+        <p:spPr>
+          <a:xfrm>
+            <a:off x="628650" y="1417377"/>
+            <a:ext cx="7886700" cy="4351199"/>
+          </a:xfrm>
+        </p:spPr>
+        <p:txBody>
+          <a:bodyPr/>
+          <a:lstStyle/>
+          <a:p>
+            <a:r>
+              <a:rPr lang="en-US" sz="2200" dirty="0" smtClean="0"/>
+              <a:t> Lightweight options</a:t>
+            </a:r>
+          </a:p>
+          <a:p>
+            <a:r>
+              <a:rPr lang="en-US" sz="2200" dirty="0"/>
+              <a:t> </a:t>
+            </a:r>
+            <a:r>
+              <a:rPr lang="en-US" sz="2200" dirty="0" smtClean="0"/>
+              <a:t>Full(</a:t>
+            </a:r>
+            <a:r>
+              <a:rPr lang="en-US" sz="2200" dirty="0" err="1" smtClean="0"/>
+              <a:t>er</a:t>
+            </a:r>
+            <a:r>
+              <a:rPr lang="en-US" sz="2200" dirty="0" smtClean="0"/>
+              <a:t>) stack</a:t>
+            </a:r>
+          </a:p>
+          <a:p>
+            <a:r>
+              <a:rPr lang="en-US" sz="2200" dirty="0" smtClean="0"/>
+              <a:t> Real-time</a:t>
+            </a:r>
+          </a:p>
+        </p:txBody>
+      </p:sp>
+    </p:spTree>
+    <p:extLst>
+      <p:ext uri="{BB962C8B-B14F-4D97-AF65-F5344CB8AC3E}">
+        <p14:creationId xmlns:p14="http://schemas.microsoft.com/office/powerpoint/2010/main" val="1690069527"/>
+      </p:ext>
+    </p:extLst>
+  </p:cSld>
+  <p:clrMapOvr>
+    <a:masterClrMapping/>
+  </p:clrMapOvr>
+  <p:timing>
+    <p:tnLst>
+      <p:par>
+        <p:cTn xmlns:p14="http://schemas.microsoft.com/office/powerpoint/2010/main" id="1" dur="indefinite" restart="never" nodeType="tmRoot"/>
+      </p:par>
+    </p:tnLst>
+  </p:timing>
+</p:sld>
+</file>
+
+<file path=ppt/slides/slide36.xml><?xml version="1.0" encoding="utf-8"?>
+<p:sld xmlns:a="http://schemas.openxmlformats.org/drawingml/2006/main" xmlns:r="http://schemas.openxmlformats.org/officeDocument/2006/relationships" xmlns:p="http://schemas.openxmlformats.org/presentationml/2006/main">
+  <p:cSld>
+    <p:spTree>
+      <p:nvGrpSpPr>
+        <p:cNvPr id="1" name=""/>
+        <p:cNvGrpSpPr/>
+        <p:nvPr/>
+      </p:nvGrpSpPr>
+      <p:grpSpPr>
+        <a:xfrm>
+          <a:off x="0" y="0"/>
+          <a:ext cx="0" cy="0"/>
+          <a:chOff x="0" y="0"/>
+          <a:chExt cx="0" cy="0"/>
+        </a:xfrm>
+      </p:grpSpPr>
+      <p:sp>
+        <p:nvSpPr>
+          <p:cNvPr id="2" name="Title 1"/>
+          <p:cNvSpPr>
+            <a:spLocks noGrp="1"/>
+          </p:cNvSpPr>
+          <p:nvPr>
+            <p:ph type="title"/>
+          </p:nvPr>
+        </p:nvSpPr>
+        <p:spPr>
+          <a:xfrm>
+            <a:off x="628650" y="229045"/>
+            <a:ext cx="7886700" cy="1325700"/>
+          </a:xfrm>
+        </p:spPr>
+        <p:txBody>
+          <a:bodyPr/>
+          <a:lstStyle/>
+          <a:p>
+            <a:r>
+              <a:rPr lang="en-US" dirty="0" smtClean="0"/>
+              <a:t>Web Frameworks: Lightweight</a:t>
+            </a:r>
+            <a:endParaRPr lang="en-US" dirty="0"/>
+          </a:p>
+        </p:txBody>
+      </p:sp>
+      <p:sp>
+        <p:nvSpPr>
+          <p:cNvPr id="3" name="Text Placeholder 2"/>
+          <p:cNvSpPr>
+            <a:spLocks noGrp="1"/>
+          </p:cNvSpPr>
+          <p:nvPr>
+            <p:ph type="body" idx="1"/>
+          </p:nvPr>
+        </p:nvSpPr>
+        <p:spPr>
+          <a:xfrm>
+            <a:off x="628650" y="1417378"/>
+            <a:ext cx="7886700" cy="2111886"/>
+          </a:xfrm>
+        </p:spPr>
+        <p:txBody>
+          <a:bodyPr/>
+          <a:lstStyle/>
+          <a:p>
+            <a:r>
+              <a:rPr lang="en-US" sz="2200" dirty="0" smtClean="0"/>
+              <a:t> Low-level abstractions on http module</a:t>
+            </a:r>
+          </a:p>
+          <a:p>
+            <a:r>
+              <a:rPr lang="en-US" sz="2200" dirty="0"/>
+              <a:t> </a:t>
+            </a:r>
+            <a:r>
+              <a:rPr lang="en-US" sz="2200" dirty="0" smtClean="0"/>
+              <a:t>Routing and middleware</a:t>
+            </a:r>
+          </a:p>
+        </p:txBody>
+      </p:sp>
+      <p:sp>
+        <p:nvSpPr>
+          <p:cNvPr id="5" name="TextBox 4"/>
+          <p:cNvSpPr txBox="1"/>
+          <p:nvPr/>
+        </p:nvSpPr>
+        <p:spPr>
+          <a:xfrm>
+            <a:off x="628650" y="5120105"/>
+            <a:ext cx="3672800" cy="738664"/>
+          </a:xfrm>
+          <a:prstGeom prst="rect">
+            <a:avLst/>
+          </a:prstGeom>
+          <a:noFill/>
+        </p:spPr>
+        <p:txBody>
+          <a:bodyPr wrap="none" rtlCol="0">
+            <a:spAutoFit/>
+          </a:bodyPr>
+          <a:lstStyle/>
+          <a:p>
+            <a:pPr marL="285750" indent="-285750">
+              <a:buFont typeface="Arial"/>
+              <a:buChar char="•"/>
+            </a:pPr>
+            <a:r>
+              <a:rPr lang="en-US" dirty="0">
+                <a:solidFill>
+                  <a:srgbClr val="FFFFFF"/>
+                </a:solidFill>
+                <a:hlinkClick r:id="rId3"/>
+              </a:rPr>
+              <a:t>http://</a:t>
+            </a:r>
+            <a:r>
+              <a:rPr lang="en-US" dirty="0" err="1">
+                <a:solidFill>
+                  <a:srgbClr val="FFFFFF"/>
+                </a:solidFill>
+                <a:hlinkClick r:id="rId3"/>
+              </a:rPr>
+              <a:t>expressjs.com</a:t>
+            </a:r>
+            <a:r>
+              <a:rPr lang="en-US" dirty="0">
+                <a:solidFill>
+                  <a:srgbClr val="FFFFFF"/>
+                </a:solidFill>
+                <a:hlinkClick r:id="rId3"/>
+              </a:rPr>
+              <a:t>/</a:t>
+            </a:r>
+            <a:endParaRPr lang="en-US" dirty="0">
+              <a:solidFill>
+                <a:srgbClr val="FFFFFF"/>
+              </a:solidFill>
+            </a:endParaRPr>
+          </a:p>
+          <a:p>
+            <a:pPr marL="285750" indent="-285750">
+              <a:buFont typeface="Arial"/>
+              <a:buChar char="•"/>
+            </a:pPr>
+            <a:r>
+              <a:rPr lang="en-US" dirty="0" smtClean="0">
+                <a:solidFill>
+                  <a:srgbClr val="FFFFFF"/>
+                </a:solidFill>
+                <a:hlinkClick r:id="rId4"/>
+              </a:rPr>
+              <a:t>https</a:t>
+            </a:r>
+            <a:r>
+              <a:rPr lang="en-US" dirty="0">
+                <a:solidFill>
+                  <a:srgbClr val="FFFFFF"/>
+                </a:solidFill>
+                <a:hlinkClick r:id="rId4"/>
+              </a:rPr>
+              <a:t>://github.com/mcavage/node-</a:t>
+            </a:r>
+            <a:r>
+              <a:rPr lang="en-US" dirty="0" smtClean="0">
+                <a:solidFill>
+                  <a:srgbClr val="FFFFFF"/>
+                </a:solidFill>
+                <a:hlinkClick r:id="rId4"/>
+              </a:rPr>
+              <a:t>restify</a:t>
+            </a:r>
+            <a:endParaRPr lang="en-US" dirty="0" smtClean="0">
+              <a:solidFill>
+                <a:srgbClr val="FFFFFF"/>
+              </a:solidFill>
+            </a:endParaRPr>
+          </a:p>
+          <a:p>
+            <a:pPr marL="285750" indent="-285750">
+              <a:buFont typeface="Arial"/>
+              <a:buChar char="•"/>
+            </a:pPr>
+            <a:r>
+              <a:rPr lang="en-US" dirty="0">
+                <a:solidFill>
+                  <a:srgbClr val="FFFFFF"/>
+                </a:solidFill>
+                <a:hlinkClick r:id="rId5"/>
+              </a:rPr>
+              <a:t>http://</a:t>
+            </a:r>
+            <a:r>
+              <a:rPr lang="en-US" dirty="0" err="1">
+                <a:solidFill>
+                  <a:srgbClr val="FFFFFF"/>
+                </a:solidFill>
+                <a:hlinkClick r:id="rId5"/>
+              </a:rPr>
+              <a:t>hapijs.com</a:t>
+            </a:r>
+            <a:r>
+              <a:rPr lang="en-US" dirty="0">
+                <a:solidFill>
+                  <a:srgbClr val="FFFFFF"/>
+                </a:solidFill>
+                <a:hlinkClick r:id="rId5"/>
+              </a:rPr>
+              <a:t>/</a:t>
+            </a:r>
+            <a:endParaRPr lang="en-US" dirty="0">
+              <a:solidFill>
+                <a:srgbClr val="FFFFFF"/>
+              </a:solidFill>
+            </a:endParaRPr>
+          </a:p>
+        </p:txBody>
+      </p:sp>
+    </p:spTree>
+    <p:extLst>
+      <p:ext uri="{BB962C8B-B14F-4D97-AF65-F5344CB8AC3E}">
+        <p14:creationId xmlns:p14="http://schemas.microsoft.com/office/powerpoint/2010/main" val="3908775830"/>
+      </p:ext>
+    </p:extLst>
+  </p:cSld>
+  <p:clrMapOvr>
+    <a:masterClrMapping/>
+  </p:clrMapOvr>
+  <p:timing>
+    <p:tnLst>
+      <p:par>
+        <p:cTn xmlns:p14="http://schemas.microsoft.com/office/powerpoint/2010/main" id="1" dur="indefinite" restart="never" nodeType="tmRoot"/>
+      </p:par>
+    </p:tnLst>
+  </p:timing>
+</p:sld>
+</file>
+
+<file path=ppt/slides/slide37.xml><?xml version="1.0" encoding="utf-8"?>
+<p:sld xmlns:a="http://schemas.openxmlformats.org/drawingml/2006/main" xmlns:r="http://schemas.openxmlformats.org/officeDocument/2006/relationships" xmlns:p="http://schemas.openxmlformats.org/presentationml/2006/main">
+  <p:cSld>
+    <p:spTree>
+      <p:nvGrpSpPr>
+        <p:cNvPr id="1" name=""/>
+        <p:cNvGrpSpPr/>
+        <p:nvPr/>
+      </p:nvGrpSpPr>
+      <p:grpSpPr>
+        <a:xfrm>
+          <a:off x="0" y="0"/>
+          <a:ext cx="0" cy="0"/>
+          <a:chOff x="0" y="0"/>
+          <a:chExt cx="0" cy="0"/>
+        </a:xfrm>
+      </p:grpSpPr>
+      <p:sp>
+        <p:nvSpPr>
+          <p:cNvPr id="2" name="Title 1"/>
+          <p:cNvSpPr>
+            <a:spLocks noGrp="1"/>
+          </p:cNvSpPr>
+          <p:nvPr>
+            <p:ph type="title"/>
+          </p:nvPr>
+        </p:nvSpPr>
+        <p:spPr>
+          <a:xfrm>
+            <a:off x="628650" y="229045"/>
+            <a:ext cx="7886700" cy="1325700"/>
+          </a:xfrm>
+        </p:spPr>
+        <p:txBody>
+          <a:bodyPr/>
+          <a:lstStyle/>
+          <a:p>
+            <a:r>
+              <a:rPr lang="en-US" dirty="0" smtClean="0"/>
+              <a:t>Web Frameworks: Full Stack</a:t>
+            </a:r>
+            <a:endParaRPr lang="en-US" dirty="0"/>
+          </a:p>
+        </p:txBody>
+      </p:sp>
+      <p:sp>
+        <p:nvSpPr>
+          <p:cNvPr id="3" name="Text Placeholder 2"/>
+          <p:cNvSpPr>
+            <a:spLocks noGrp="1"/>
+          </p:cNvSpPr>
+          <p:nvPr>
+            <p:ph type="body" idx="1"/>
+          </p:nvPr>
+        </p:nvSpPr>
+        <p:spPr>
+          <a:xfrm>
+            <a:off x="628650" y="1417378"/>
+            <a:ext cx="7886700" cy="1630622"/>
+          </a:xfrm>
+        </p:spPr>
+        <p:txBody>
+          <a:bodyPr/>
+          <a:lstStyle/>
+          <a:p>
+            <a:r>
+              <a:rPr lang="en-US" sz="2200" dirty="0" smtClean="0"/>
+              <a:t> Routing, view layer, data model, etc.</a:t>
+            </a:r>
+          </a:p>
+          <a:p>
+            <a:r>
+              <a:rPr lang="en-US" sz="2200" dirty="0"/>
+              <a:t> </a:t>
+            </a:r>
+            <a:r>
+              <a:rPr lang="en-US" sz="2200" dirty="0" smtClean="0"/>
+              <a:t>One framework back to front</a:t>
+            </a:r>
+          </a:p>
+          <a:p>
+            <a:r>
+              <a:rPr lang="en-US" sz="2200" dirty="0"/>
+              <a:t> </a:t>
+            </a:r>
+            <a:r>
+              <a:rPr lang="en-US" sz="2200" dirty="0" smtClean="0"/>
+              <a:t>Real time out of the box </a:t>
+            </a:r>
+          </a:p>
+        </p:txBody>
+      </p:sp>
+      <p:pic>
+        <p:nvPicPr>
+          <p:cNvPr id="6" name="Picture 5" descr="Screen Shot 2015-04-02 at 8.43.26 AM.png"/>
+          <p:cNvPicPr>
+            <a:picLocks noChangeAspect="1"/>
+          </p:cNvPicPr>
+          <p:nvPr/>
+        </p:nvPicPr>
+        <p:blipFill>
+          <a:blip r:embed="rId3">
+            <a:extLst>
+              <a:ext uri="{28A0092B-C50C-407E-A947-70E740481C1C}">
+                <a14:useLocalDpi xmlns:a14="http://schemas.microsoft.com/office/drawing/2010/main" val="0"/>
+              </a:ext>
+            </a:extLst>
+          </a:blip>
+          <a:stretch>
+            <a:fillRect/>
+          </a:stretch>
+        </p:blipFill>
+        <p:spPr>
+          <a:xfrm>
+            <a:off x="4381165" y="3390565"/>
+            <a:ext cx="3519237" cy="1236245"/>
+          </a:xfrm>
+          <a:prstGeom prst="rect">
+            <a:avLst/>
+          </a:prstGeom>
+        </p:spPr>
+      </p:pic>
+      <p:pic>
+        <p:nvPicPr>
+          <p:cNvPr id="8" name="Picture 7" descr="Screen Shot 2015-04-02 at 8.45.16 AM.png"/>
+          <p:cNvPicPr>
+            <a:picLocks noChangeAspect="1"/>
+          </p:cNvPicPr>
+          <p:nvPr/>
+        </p:nvPicPr>
+        <p:blipFill>
+          <a:blip r:embed="rId4">
+            <a:extLst>
+              <a:ext uri="{28A0092B-C50C-407E-A947-70E740481C1C}">
+                <a14:useLocalDpi xmlns:a14="http://schemas.microsoft.com/office/drawing/2010/main" val="0"/>
+              </a:ext>
+            </a:extLst>
+          </a:blip>
+          <a:stretch>
+            <a:fillRect/>
+          </a:stretch>
+        </p:blipFill>
+        <p:spPr>
+          <a:xfrm>
+            <a:off x="1016334" y="3390113"/>
+            <a:ext cx="2961105" cy="1236697"/>
+          </a:xfrm>
+          <a:prstGeom prst="rect">
+            <a:avLst/>
+          </a:prstGeom>
+        </p:spPr>
+      </p:pic>
+      <p:sp>
+        <p:nvSpPr>
+          <p:cNvPr id="10" name="Rectangle 9"/>
+          <p:cNvSpPr/>
+          <p:nvPr/>
+        </p:nvSpPr>
+        <p:spPr>
+          <a:xfrm>
+            <a:off x="628650" y="5171879"/>
+            <a:ext cx="4572000" cy="523220"/>
+          </a:xfrm>
+          <a:prstGeom prst="rect">
+            <a:avLst/>
+          </a:prstGeom>
+        </p:spPr>
+        <p:txBody>
+          <a:bodyPr>
+            <a:spAutoFit/>
+          </a:bodyPr>
+          <a:lstStyle/>
+          <a:p>
+            <a:pPr marL="285750" indent="-285750">
+              <a:buFont typeface="Arial"/>
+              <a:buChar char="•"/>
+            </a:pPr>
+            <a:r>
+              <a:rPr lang="en-US" dirty="0">
+                <a:solidFill>
+                  <a:srgbClr val="FFFFFF"/>
+                </a:solidFill>
+                <a:hlinkClick r:id="rId5"/>
+              </a:rPr>
+              <a:t>http://sailsjs.org</a:t>
+            </a:r>
+            <a:r>
+              <a:rPr lang="en-US" dirty="0" smtClean="0">
+                <a:solidFill>
+                  <a:srgbClr val="FFFFFF"/>
+                </a:solidFill>
+                <a:hlinkClick r:id="rId5"/>
+              </a:rPr>
+              <a:t>/</a:t>
+            </a:r>
+            <a:endParaRPr lang="en-US" dirty="0" smtClean="0">
+              <a:solidFill>
+                <a:srgbClr val="FFFFFF"/>
+              </a:solidFill>
+            </a:endParaRPr>
+          </a:p>
+          <a:p>
+            <a:pPr marL="285750" indent="-285750">
+              <a:buFont typeface="Arial"/>
+              <a:buChar char="•"/>
+            </a:pPr>
+            <a:r>
+              <a:rPr lang="en-US" dirty="0">
+                <a:solidFill>
+                  <a:srgbClr val="FFFFFF"/>
+                </a:solidFill>
+                <a:hlinkClick r:id="rId6"/>
+              </a:rPr>
+              <a:t>https://</a:t>
+            </a:r>
+            <a:r>
+              <a:rPr lang="en-US" dirty="0" err="1">
+                <a:solidFill>
+                  <a:srgbClr val="FFFFFF"/>
+                </a:solidFill>
+                <a:hlinkClick r:id="rId6"/>
+              </a:rPr>
+              <a:t>www.meteor.com</a:t>
+            </a:r>
+            <a:r>
+              <a:rPr lang="en-US" dirty="0">
+                <a:solidFill>
+                  <a:srgbClr val="FFFFFF"/>
+                </a:solidFill>
+                <a:hlinkClick r:id="rId6"/>
+              </a:rPr>
+              <a:t>/</a:t>
+            </a:r>
+            <a:endParaRPr lang="en-US" dirty="0">
+              <a:solidFill>
+                <a:srgbClr val="FFFFFF"/>
+              </a:solidFill>
+            </a:endParaRPr>
+          </a:p>
+        </p:txBody>
+      </p:sp>
+    </p:spTree>
+    <p:extLst>
+      <p:ext uri="{BB962C8B-B14F-4D97-AF65-F5344CB8AC3E}">
+        <p14:creationId xmlns:p14="http://schemas.microsoft.com/office/powerpoint/2010/main" val="4097585328"/>
+      </p:ext>
+    </p:extLst>
+  </p:cSld>
+  <p:clrMapOvr>
+    <a:masterClrMapping/>
+  </p:clrMapOvr>
+  <p:timing>
+    <p:tnLst>
+      <p:par>
+        <p:cTn xmlns:p14="http://schemas.microsoft.com/office/powerpoint/2010/main" id="1" dur="indefinite" restart="never" nodeType="tmRoot"/>
+      </p:par>
+    </p:tnLst>
+  </p:timing>
+</p:sld>
+</file>
+
+<file path=ppt/slides/slide38.xml><?xml version="1.0" encoding="utf-8"?>
+<p:sld xmlns:a="http://schemas.openxmlformats.org/drawingml/2006/main" xmlns:r="http://schemas.openxmlformats.org/officeDocument/2006/relationships" xmlns:p="http://schemas.openxmlformats.org/presentationml/2006/main">
+  <p:cSld>
+    <p:spTree>
+      <p:nvGrpSpPr>
+        <p:cNvPr id="1" name=""/>
+        <p:cNvGrpSpPr/>
+        <p:nvPr/>
+      </p:nvGrpSpPr>
+      <p:grpSpPr>
+        <a:xfrm>
+          <a:off x="0" y="0"/>
+          <a:ext cx="0" cy="0"/>
+          <a:chOff x="0" y="0"/>
+          <a:chExt cx="0" cy="0"/>
+        </a:xfrm>
+      </p:grpSpPr>
+      <p:sp>
+        <p:nvSpPr>
+          <p:cNvPr id="2" name="Title 1"/>
+          <p:cNvSpPr>
+            <a:spLocks noGrp="1"/>
+          </p:cNvSpPr>
+          <p:nvPr>
+            <p:ph type="title"/>
+          </p:nvPr>
+        </p:nvSpPr>
+        <p:spPr>
+          <a:xfrm>
+            <a:off x="628650" y="229045"/>
+            <a:ext cx="7886700" cy="1325700"/>
+          </a:xfrm>
+        </p:spPr>
+        <p:txBody>
+          <a:bodyPr/>
+          <a:lstStyle/>
+          <a:p>
+            <a:r>
+              <a:rPr lang="en-US" dirty="0" smtClean="0"/>
+              <a:t>Web Frameworks: Real Time</a:t>
+            </a:r>
+            <a:endParaRPr lang="en-US" dirty="0"/>
+          </a:p>
+        </p:txBody>
+      </p:sp>
+      <p:sp>
+        <p:nvSpPr>
+          <p:cNvPr id="3" name="Text Placeholder 2"/>
+          <p:cNvSpPr>
+            <a:spLocks noGrp="1"/>
+          </p:cNvSpPr>
+          <p:nvPr>
+            <p:ph type="body" idx="1"/>
+          </p:nvPr>
+        </p:nvSpPr>
+        <p:spPr>
+          <a:xfrm>
+            <a:off x="628650" y="1417377"/>
+            <a:ext cx="7886700" cy="1617255"/>
+          </a:xfrm>
+        </p:spPr>
+        <p:txBody>
+          <a:bodyPr/>
+          <a:lstStyle/>
+          <a:p>
+            <a:r>
+              <a:rPr lang="en-US" sz="2200" dirty="0" smtClean="0"/>
+              <a:t> </a:t>
+            </a:r>
+            <a:r>
+              <a:rPr lang="en-US" sz="2200" dirty="0" err="1" smtClean="0"/>
+              <a:t>Websockets</a:t>
+            </a:r>
+            <a:endParaRPr lang="en-US" sz="2200" dirty="0" smtClean="0"/>
+          </a:p>
+          <a:p>
+            <a:r>
+              <a:rPr lang="en-US" sz="2200" dirty="0"/>
+              <a:t> </a:t>
+            </a:r>
+            <a:r>
+              <a:rPr lang="en-US" sz="2200" dirty="0" err="1" smtClean="0"/>
+              <a:t>Socket.io</a:t>
+            </a:r>
+            <a:r>
+              <a:rPr lang="en-US" sz="2200" dirty="0" smtClean="0"/>
+              <a:t> and </a:t>
+            </a:r>
+            <a:r>
+              <a:rPr lang="en-US" sz="2200" dirty="0" err="1" smtClean="0"/>
+              <a:t>express.io</a:t>
+            </a:r>
+            <a:endParaRPr lang="en-US" sz="2200" dirty="0" smtClean="0"/>
+          </a:p>
+          <a:p>
+            <a:r>
+              <a:rPr lang="en-US" sz="2200" dirty="0"/>
+              <a:t> </a:t>
+            </a:r>
+            <a:r>
+              <a:rPr lang="en-US" sz="2200" dirty="0" err="1" smtClean="0"/>
+              <a:t>SignalR</a:t>
+            </a:r>
+            <a:endParaRPr lang="en-US" sz="2200" dirty="0" smtClean="0"/>
+          </a:p>
+        </p:txBody>
+      </p:sp>
+      <p:sp>
+        <p:nvSpPr>
+          <p:cNvPr id="5" name="Rectangle 4"/>
+          <p:cNvSpPr/>
+          <p:nvPr/>
+        </p:nvSpPr>
+        <p:spPr>
+          <a:xfrm>
+            <a:off x="628650" y="5171879"/>
+            <a:ext cx="4572000" cy="738664"/>
+          </a:xfrm>
+          <a:prstGeom prst="rect">
+            <a:avLst/>
+          </a:prstGeom>
+        </p:spPr>
+        <p:txBody>
+          <a:bodyPr>
+            <a:spAutoFit/>
+          </a:bodyPr>
+          <a:lstStyle/>
+          <a:p>
+            <a:pPr marL="285750" indent="-285750">
+              <a:buFont typeface="Arial"/>
+              <a:buChar char="•"/>
+            </a:pPr>
+            <a:r>
+              <a:rPr lang="en-US" dirty="0">
+                <a:solidFill>
+                  <a:srgbClr val="FFFFFF"/>
+                </a:solidFill>
+                <a:hlinkClick r:id="rId3"/>
+              </a:rPr>
+              <a:t>http://socket.io/</a:t>
+            </a:r>
+            <a:endParaRPr lang="en-US" dirty="0">
+              <a:solidFill>
+                <a:srgbClr val="FFFFFF"/>
+              </a:solidFill>
+              <a:hlinkClick r:id="rId4"/>
+            </a:endParaRPr>
+          </a:p>
+          <a:p>
+            <a:pPr marL="285750" indent="-285750">
+              <a:buFont typeface="Arial"/>
+              <a:buChar char="•"/>
+            </a:pPr>
+            <a:r>
+              <a:rPr lang="en-US" dirty="0" smtClean="0">
+                <a:solidFill>
+                  <a:srgbClr val="FFFFFF"/>
+                </a:solidFill>
+                <a:hlinkClick r:id="rId4"/>
+              </a:rPr>
+              <a:t>http</a:t>
+            </a:r>
+            <a:r>
+              <a:rPr lang="en-US" dirty="0">
+                <a:solidFill>
+                  <a:srgbClr val="FFFFFF"/>
+                </a:solidFill>
+                <a:hlinkClick r:id="rId4"/>
+              </a:rPr>
+              <a:t>://express-io.org</a:t>
+            </a:r>
+            <a:r>
+              <a:rPr lang="en-US" dirty="0" smtClean="0">
+                <a:solidFill>
+                  <a:srgbClr val="FFFFFF"/>
+                </a:solidFill>
+                <a:hlinkClick r:id="rId4"/>
+              </a:rPr>
+              <a:t>/</a:t>
+            </a:r>
+            <a:endParaRPr lang="en-US" dirty="0" smtClean="0">
+              <a:solidFill>
+                <a:srgbClr val="FFFFFF"/>
+              </a:solidFill>
+            </a:endParaRPr>
+          </a:p>
+          <a:p>
+            <a:pPr marL="285750" indent="-285750">
+              <a:buFont typeface="Arial"/>
+              <a:buChar char="•"/>
+            </a:pPr>
+            <a:r>
+              <a:rPr lang="en-US" dirty="0" smtClean="0">
+                <a:solidFill>
+                  <a:srgbClr val="FFFFFF"/>
+                </a:solidFill>
+                <a:hlinkClick r:id="rId5"/>
+              </a:rPr>
+              <a:t>http</a:t>
+            </a:r>
+            <a:r>
+              <a:rPr lang="en-US" dirty="0">
+                <a:solidFill>
+                  <a:srgbClr val="FFFFFF"/>
+                </a:solidFill>
+                <a:hlinkClick r:id="rId5"/>
+              </a:rPr>
+              <a:t>://signalr.net/</a:t>
+            </a:r>
+            <a:endParaRPr lang="en-US" dirty="0">
+              <a:solidFill>
+                <a:srgbClr val="FFFFFF"/>
+              </a:solidFill>
+            </a:endParaRPr>
+          </a:p>
+        </p:txBody>
+      </p:sp>
+    </p:spTree>
+    <p:extLst>
+      <p:ext uri="{BB962C8B-B14F-4D97-AF65-F5344CB8AC3E}">
+        <p14:creationId xmlns:p14="http://schemas.microsoft.com/office/powerpoint/2010/main" val="3603234287"/>
+      </p:ext>
+    </p:extLst>
+  </p:cSld>
+  <p:clrMapOvr>
+    <a:masterClrMapping/>
+  </p:clrMapOvr>
+  <p:timing>
+    <p:tnLst>
+      <p:par>
+        <p:cTn xmlns:p14="http://schemas.microsoft.com/office/powerpoint/2010/main" id="1" dur="indefinite" restart="never" nodeType="tmRoot"/>
+      </p:par>
+    </p:tnLst>
+  </p:timing>
+</p:sld>
+</file>
+
+<file path=ppt/slides/slide39.xml><?xml version="1.0" encoding="utf-8"?>
+<p:sld xmlns:a="http://schemas.openxmlformats.org/drawingml/2006/main" xmlns:r="http://schemas.openxmlformats.org/officeDocument/2006/relationships" xmlns:p="http://schemas.openxmlformats.org/presentationml/2006/main">
+  <p:cSld>
+    <p:spTree>
+      <p:nvGrpSpPr>
+        <p:cNvPr id="1" name=""/>
+        <p:cNvGrpSpPr/>
+        <p:nvPr/>
+      </p:nvGrpSpPr>
+      <p:grpSpPr>
+        <a:xfrm>
+          <a:off x="0" y="0"/>
+          <a:ext cx="0" cy="0"/>
+          <a:chOff x="0" y="0"/>
+          <a:chExt cx="0" cy="0"/>
+        </a:xfrm>
+      </p:grpSpPr>
+      <p:sp>
+        <p:nvSpPr>
+          <p:cNvPr id="2" name="Title 1"/>
+          <p:cNvSpPr>
+            <a:spLocks noGrp="1"/>
+          </p:cNvSpPr>
+          <p:nvPr>
+            <p:ph type="title"/>
+          </p:nvPr>
+        </p:nvSpPr>
+        <p:spPr>
+          <a:xfrm>
+            <a:off x="628650" y="229045"/>
+            <a:ext cx="7886700" cy="1325700"/>
+          </a:xfrm>
+        </p:spPr>
+        <p:txBody>
+          <a:bodyPr/>
+          <a:lstStyle/>
+          <a:p>
+            <a:r>
+              <a:rPr lang="en-US" dirty="0" smtClean="0"/>
+              <a:t>Scaffolding and Generators</a:t>
+            </a:r>
+            <a:endParaRPr lang="en-US" dirty="0"/>
+          </a:p>
+        </p:txBody>
+      </p:sp>
+      <p:sp>
+        <p:nvSpPr>
+          <p:cNvPr id="3" name="Text Placeholder 2"/>
+          <p:cNvSpPr>
+            <a:spLocks noGrp="1"/>
+          </p:cNvSpPr>
+          <p:nvPr>
+            <p:ph type="body" idx="1"/>
+          </p:nvPr>
+        </p:nvSpPr>
+        <p:spPr>
+          <a:xfrm>
+            <a:off x="628650" y="1417377"/>
+            <a:ext cx="7886700" cy="4351199"/>
+          </a:xfrm>
+        </p:spPr>
+        <p:txBody>
+          <a:bodyPr/>
+          <a:lstStyle/>
+          <a:p>
+            <a:r>
+              <a:rPr lang="en-US" sz="2200" dirty="0" smtClean="0"/>
+              <a:t> express-</a:t>
+            </a:r>
+            <a:r>
+              <a:rPr lang="en-US" sz="2200" dirty="0" err="1" smtClean="0"/>
+              <a:t>init</a:t>
+            </a:r>
+            <a:endParaRPr lang="en-US" sz="2200" dirty="0" smtClean="0"/>
+          </a:p>
+          <a:p>
+            <a:r>
+              <a:rPr lang="en-US" sz="2200" dirty="0"/>
+              <a:t> </a:t>
+            </a:r>
+            <a:r>
+              <a:rPr lang="en-US" sz="2200" dirty="0" smtClean="0"/>
+              <a:t>Yeoman</a:t>
+            </a:r>
+          </a:p>
+        </p:txBody>
+      </p:sp>
+      <p:sp>
+        <p:nvSpPr>
+          <p:cNvPr id="4" name="Title 1"/>
+          <p:cNvSpPr txBox="1">
+            <a:spLocks/>
+          </p:cNvSpPr>
+          <p:nvPr/>
+        </p:nvSpPr>
+        <p:spPr>
+          <a:xfrm>
+            <a:off x="781050" y="4297946"/>
+            <a:ext cx="7886700" cy="1325700"/>
+          </a:xfrm>
+          <a:prstGeom prst="rect">
+            <a:avLst/>
+          </a:prstGeom>
+          <a:noFill/>
+          <a:ln>
+            <a:noFill/>
+          </a:ln>
+        </p:spPr>
+        <p:txBody>
+          <a:bodyPr lIns="91425" tIns="91425" rIns="91425" bIns="91425" anchor="ctr" anchorCtr="0"/>
+          <a:lstStyle>
+            <a:defPPr marR="0" algn="l" rtl="0">
+              <a:lnSpc>
+                <a:spcPct val="100000"/>
+              </a:lnSpc>
+              <a:spcBef>
+                <a:spcPts val="0"/>
+              </a:spcBef>
+              <a:spcAft>
+                <a:spcPts val="0"/>
+              </a:spcAft>
+            </a:defPPr>
+            <a:lvl1pPr marR="0" algn="l" rtl="0">
+              <a:lnSpc>
+                <a:spcPct val="90000"/>
+              </a:lnSpc>
+              <a:spcBef>
+                <a:spcPts val="0"/>
+              </a:spcBef>
+              <a:spcAft>
+                <a:spcPts val="0"/>
+              </a:spcAft>
+              <a:buClr>
+                <a:schemeClr val="dk1"/>
+              </a:buClr>
+              <a:buSzPct val="100000"/>
+              <a:buFont typeface="Calibri"/>
+              <a:buNone/>
+              <a:defRPr sz="3600" b="1" i="0" u="none" strike="noStrike" cap="none" baseline="0">
+                <a:solidFill>
+                  <a:schemeClr val="lt1"/>
+                </a:solidFill>
+                <a:latin typeface="Arial"/>
+                <a:ea typeface="Arial"/>
+                <a:cs typeface="Arial"/>
+                <a:sym typeface="Arial"/>
+                <a:rtl val="0"/>
+              </a:defRPr>
+            </a:lvl1pPr>
+            <a:lvl2pPr marR="0" algn="l" rtl="0">
+              <a:lnSpc>
+                <a:spcPct val="100000"/>
+              </a:lnSpc>
+              <a:spcBef>
+                <a:spcPts val="0"/>
+              </a:spcBef>
+              <a:spcAft>
+                <a:spcPts val="0"/>
+              </a:spcAft>
+              <a:buClr>
+                <a:schemeClr val="lt1"/>
+              </a:buClr>
+              <a:buSzPct val="100000"/>
+              <a:buNone/>
+              <a:defRPr sz="3600" b="1" i="0" u="none" strike="noStrike" cap="none" baseline="0">
+                <a:solidFill>
+                  <a:schemeClr val="lt1"/>
+                </a:solidFill>
+                <a:latin typeface="Arial"/>
+                <a:ea typeface="Arial"/>
+                <a:cs typeface="Arial"/>
+                <a:sym typeface="Arial"/>
+                <a:rtl val="0"/>
+              </a:defRPr>
+            </a:lvl2pPr>
+            <a:lvl3pPr rtl="0">
+              <a:spcBef>
+                <a:spcPts val="0"/>
+              </a:spcBef>
+              <a:buClr>
+                <a:schemeClr val="lt1"/>
+              </a:buClr>
+              <a:buSzPct val="100000"/>
+              <a:buNone/>
+              <a:defRPr sz="3600" b="1">
+                <a:solidFill>
+                  <a:schemeClr val="lt1"/>
+                </a:solidFill>
+              </a:defRPr>
+            </a:lvl3pPr>
+            <a:lvl4pPr rtl="0">
+              <a:spcBef>
+                <a:spcPts val="0"/>
+              </a:spcBef>
+              <a:buClr>
+                <a:schemeClr val="lt1"/>
+              </a:buClr>
+              <a:buSzPct val="100000"/>
+              <a:buNone/>
+              <a:defRPr sz="3600" b="1">
+                <a:solidFill>
+                  <a:schemeClr val="lt1"/>
+                </a:solidFill>
+              </a:defRPr>
+            </a:lvl4pPr>
+            <a:lvl5pPr rtl="0">
+              <a:spcBef>
+                <a:spcPts val="0"/>
+              </a:spcBef>
+              <a:buClr>
+                <a:schemeClr val="lt1"/>
+              </a:buClr>
+              <a:buSzPct val="100000"/>
+              <a:buNone/>
+              <a:defRPr sz="3600" b="1">
+                <a:solidFill>
+                  <a:schemeClr val="lt1"/>
+                </a:solidFill>
+              </a:defRPr>
+            </a:lvl5pPr>
+            <a:lvl6pPr rtl="0">
+              <a:spcBef>
+                <a:spcPts val="0"/>
+              </a:spcBef>
+              <a:buClr>
+                <a:schemeClr val="lt1"/>
+              </a:buClr>
+              <a:buSzPct val="100000"/>
+              <a:buNone/>
+              <a:defRPr sz="3600" b="1">
+                <a:solidFill>
+                  <a:schemeClr val="lt1"/>
+                </a:solidFill>
+              </a:defRPr>
+            </a:lvl6pPr>
+            <a:lvl7pPr rtl="0">
+              <a:spcBef>
+                <a:spcPts val="0"/>
+              </a:spcBef>
+              <a:buClr>
+                <a:schemeClr val="lt1"/>
+              </a:buClr>
+              <a:buSzPct val="100000"/>
+              <a:buNone/>
+              <a:defRPr sz="3600" b="1">
+                <a:solidFill>
+                  <a:schemeClr val="lt1"/>
+                </a:solidFill>
+              </a:defRPr>
+            </a:lvl7pPr>
+            <a:lvl8pPr rtl="0">
+              <a:spcBef>
+                <a:spcPts val="0"/>
+              </a:spcBef>
+              <a:buClr>
+                <a:schemeClr val="lt1"/>
+              </a:buClr>
+              <a:buSzPct val="100000"/>
+              <a:buNone/>
+              <a:defRPr sz="3600" b="1">
+                <a:solidFill>
+                  <a:schemeClr val="lt1"/>
+                </a:solidFill>
+              </a:defRPr>
+            </a:lvl8pPr>
+            <a:lvl9pPr rtl="0">
+              <a:spcBef>
+                <a:spcPts val="0"/>
+              </a:spcBef>
+              <a:buClr>
+                <a:schemeClr val="lt1"/>
+              </a:buClr>
+              <a:buSzPct val="100000"/>
+              <a:buNone/>
+              <a:defRPr sz="3600" b="1">
+                <a:solidFill>
+                  <a:schemeClr val="lt1"/>
+                </a:solidFill>
+              </a:defRPr>
+            </a:lvl9pPr>
+          </a:lstStyle>
+          <a:p>
+            <a:pPr algn="ctr"/>
+            <a:r>
+              <a:rPr lang="en-US" dirty="0" smtClean="0"/>
+              <a:t>Demo!</a:t>
+            </a:r>
+            <a:endParaRPr lang="en-US" dirty="0"/>
+          </a:p>
+        </p:txBody>
+      </p:sp>
+    </p:spTree>
+    <p:extLst>
+      <p:ext uri="{BB962C8B-B14F-4D97-AF65-F5344CB8AC3E}">
+        <p14:creationId xmlns:p14="http://schemas.microsoft.com/office/powerpoint/2010/main" val="3962460224"/>
       </p:ext>
     </p:extLst>
   </p:cSld>
@@ -10337,6 +11245,242 @@
     <p:extLst>
       <p:ext uri="{BB962C8B-B14F-4D97-AF65-F5344CB8AC3E}">
         <p14:creationId xmlns:p14="http://schemas.microsoft.com/office/powerpoint/2010/main" val="3275176246"/>
+      </p:ext>
+    </p:extLst>
+  </p:cSld>
+  <p:clrMapOvr>
+    <a:masterClrMapping/>
+  </p:clrMapOvr>
+  <p:timing>
+    <p:tnLst>
+      <p:par>
+        <p:cTn xmlns:p14="http://schemas.microsoft.com/office/powerpoint/2010/main" id="1" dur="indefinite" restart="never" nodeType="tmRoot"/>
+      </p:par>
+    </p:tnLst>
+  </p:timing>
+</p:sld>
+</file>
+
+<file path=ppt/slides/slide40.xml><?xml version="1.0" encoding="utf-8"?>
+<p:sld xmlns:a="http://schemas.openxmlformats.org/drawingml/2006/main" xmlns:r="http://schemas.openxmlformats.org/officeDocument/2006/relationships" xmlns:p="http://schemas.openxmlformats.org/presentationml/2006/main">
+  <p:cSld>
+    <p:spTree>
+      <p:nvGrpSpPr>
+        <p:cNvPr id="1" name=""/>
+        <p:cNvGrpSpPr/>
+        <p:nvPr/>
+      </p:nvGrpSpPr>
+      <p:grpSpPr>
+        <a:xfrm>
+          <a:off x="0" y="0"/>
+          <a:ext cx="0" cy="0"/>
+          <a:chOff x="0" y="0"/>
+          <a:chExt cx="0" cy="0"/>
+        </a:xfrm>
+      </p:grpSpPr>
+      <p:sp>
+        <p:nvSpPr>
+          <p:cNvPr id="2" name="Title 1"/>
+          <p:cNvSpPr>
+            <a:spLocks noGrp="1"/>
+          </p:cNvSpPr>
+          <p:nvPr>
+            <p:ph type="title"/>
+          </p:nvPr>
+        </p:nvSpPr>
+        <p:spPr>
+          <a:xfrm>
+            <a:off x="628650" y="229045"/>
+            <a:ext cx="7886700" cy="1325700"/>
+          </a:xfrm>
+        </p:spPr>
+        <p:txBody>
+          <a:bodyPr/>
+          <a:lstStyle/>
+          <a:p>
+            <a:r>
+              <a:rPr lang="en-US" dirty="0" smtClean="0"/>
+              <a:t>Visual Studio Integration</a:t>
+            </a:r>
+            <a:endParaRPr lang="en-US" dirty="0"/>
+          </a:p>
+        </p:txBody>
+      </p:sp>
+      <p:sp>
+        <p:nvSpPr>
+          <p:cNvPr id="3" name="Text Placeholder 2"/>
+          <p:cNvSpPr>
+            <a:spLocks noGrp="1"/>
+          </p:cNvSpPr>
+          <p:nvPr>
+            <p:ph type="body" idx="1"/>
+          </p:nvPr>
+        </p:nvSpPr>
+        <p:spPr>
+          <a:xfrm>
+            <a:off x="628650" y="1417377"/>
+            <a:ext cx="7886700" cy="4351199"/>
+          </a:xfrm>
+        </p:spPr>
+        <p:txBody>
+          <a:bodyPr/>
+          <a:lstStyle/>
+          <a:p>
+            <a:r>
+              <a:rPr lang="en-US" sz="2200" dirty="0" smtClean="0"/>
+              <a:t> Node Tools v1</a:t>
+            </a:r>
+          </a:p>
+          <a:p>
+            <a:r>
+              <a:rPr lang="en-US" sz="2200" dirty="0"/>
+              <a:t> </a:t>
+            </a:r>
+            <a:r>
+              <a:rPr lang="en-US" sz="2200" dirty="0" smtClean="0"/>
+              <a:t>Task Manager</a:t>
+            </a:r>
+          </a:p>
+        </p:txBody>
+      </p:sp>
+    </p:spTree>
+    <p:extLst>
+      <p:ext uri="{BB962C8B-B14F-4D97-AF65-F5344CB8AC3E}">
+        <p14:creationId xmlns:p14="http://schemas.microsoft.com/office/powerpoint/2010/main" val="3230540451"/>
+      </p:ext>
+    </p:extLst>
+  </p:cSld>
+  <p:clrMapOvr>
+    <a:masterClrMapping/>
+  </p:clrMapOvr>
+  <p:timing>
+    <p:tnLst>
+      <p:par>
+        <p:cTn xmlns:p14="http://schemas.microsoft.com/office/powerpoint/2010/main" id="1" dur="indefinite" restart="never" nodeType="tmRoot"/>
+      </p:par>
+    </p:tnLst>
+  </p:timing>
+</p:sld>
+</file>
+
+<file path=ppt/slides/slide41.xml><?xml version="1.0" encoding="utf-8"?>
+<p:sld xmlns:a="http://schemas.openxmlformats.org/drawingml/2006/main" xmlns:r="http://schemas.openxmlformats.org/officeDocument/2006/relationships" xmlns:p="http://schemas.openxmlformats.org/presentationml/2006/main">
+  <p:cSld>
+    <p:spTree>
+      <p:nvGrpSpPr>
+        <p:cNvPr id="1" name=""/>
+        <p:cNvGrpSpPr/>
+        <p:nvPr/>
+      </p:nvGrpSpPr>
+      <p:grpSpPr>
+        <a:xfrm>
+          <a:off x="0" y="0"/>
+          <a:ext cx="0" cy="0"/>
+          <a:chOff x="0" y="0"/>
+          <a:chExt cx="0" cy="0"/>
+        </a:xfrm>
+      </p:grpSpPr>
+      <p:sp>
+        <p:nvSpPr>
+          <p:cNvPr id="2" name="Title 1"/>
+          <p:cNvSpPr>
+            <a:spLocks noGrp="1"/>
+          </p:cNvSpPr>
+          <p:nvPr>
+            <p:ph type="title"/>
+          </p:nvPr>
+        </p:nvSpPr>
+        <p:spPr>
+          <a:xfrm>
+            <a:off x="628650" y="229045"/>
+            <a:ext cx="7886700" cy="1325700"/>
+          </a:xfrm>
+        </p:spPr>
+        <p:txBody>
+          <a:bodyPr/>
+          <a:lstStyle/>
+          <a:p>
+            <a:r>
+              <a:rPr lang="en-US" dirty="0" smtClean="0"/>
+              <a:t>Other things</a:t>
+            </a:r>
+            <a:endParaRPr lang="en-US" dirty="0"/>
+          </a:p>
+        </p:txBody>
+      </p:sp>
+      <p:sp>
+        <p:nvSpPr>
+          <p:cNvPr id="3" name="Text Placeholder 2"/>
+          <p:cNvSpPr>
+            <a:spLocks noGrp="1"/>
+          </p:cNvSpPr>
+          <p:nvPr>
+            <p:ph type="body" idx="1"/>
+          </p:nvPr>
+        </p:nvSpPr>
+        <p:spPr>
+          <a:xfrm>
+            <a:off x="628650" y="1417377"/>
+            <a:ext cx="7886700" cy="4351199"/>
+          </a:xfrm>
+        </p:spPr>
+        <p:txBody>
+          <a:bodyPr/>
+          <a:lstStyle/>
+          <a:p>
+            <a:r>
+              <a:rPr lang="en-US" sz="2200" dirty="0"/>
+              <a:t> </a:t>
+            </a:r>
+            <a:r>
+              <a:rPr lang="en-US" sz="2200" dirty="0" smtClean="0"/>
+              <a:t>Front end frameworks</a:t>
+            </a:r>
+          </a:p>
+          <a:p>
+            <a:pPr lvl="1"/>
+            <a:r>
+              <a:rPr lang="en-US" sz="1600" dirty="0"/>
+              <a:t> </a:t>
+            </a:r>
+            <a:r>
+              <a:rPr lang="en-US" sz="1600" dirty="0" smtClean="0"/>
+              <a:t>Angular (Dependency Injection)</a:t>
+            </a:r>
+          </a:p>
+          <a:p>
+            <a:pPr lvl="1"/>
+            <a:r>
+              <a:rPr lang="en-US" sz="1600" dirty="0"/>
+              <a:t> </a:t>
+            </a:r>
+            <a:r>
+              <a:rPr lang="en-US" sz="1600" dirty="0" smtClean="0"/>
+              <a:t>React (Flux and Virtual DOM)</a:t>
+            </a:r>
+          </a:p>
+          <a:p>
+            <a:pPr lvl="1"/>
+            <a:r>
+              <a:rPr lang="en-US" sz="1600" dirty="0"/>
+              <a:t> </a:t>
+            </a:r>
+            <a:r>
+              <a:rPr lang="en-US" sz="1600" dirty="0" err="1" smtClean="0"/>
+              <a:t>Famo.us</a:t>
+            </a:r>
+            <a:r>
+              <a:rPr lang="en-US" sz="1600" dirty="0" smtClean="0"/>
+              <a:t> (Render tree and Matrix3D Transforms)</a:t>
+            </a:r>
+            <a:endParaRPr lang="en-US" sz="1600" dirty="0" smtClean="0"/>
+          </a:p>
+        </p:txBody>
+      </p:sp>
+    </p:spTree>
+    <p:extLst>
+      <p:ext uri="{BB962C8B-B14F-4D97-AF65-F5344CB8AC3E}">
+        <p14:creationId xmlns:p14="http://schemas.microsoft.com/office/powerpoint/2010/main" val="1915630455"/>
       </p:ext>
     </p:extLst>
   </p:cSld>
